--- a/Documentation/SIM - Schema_v3.pptx
+++ b/Documentation/SIM - Schema_v3.pptx
@@ -39,7 +39,7 @@
             <a:spLocks noGrp="1"/>
           </p:cNvSpPr>
           <p:nvPr>
-            <p:ph type="ftr" idx="2"/>
+            <p:ph type="ftr" idx="1"/>
           </p:nvPr>
         </p:nvSpPr>
         <p:spPr/>
@@ -59,14 +59,14 @@
             <a:spLocks noGrp="1"/>
           </p:cNvSpPr>
           <p:nvPr>
-            <p:ph type="sldNum" idx="3"/>
+            <p:ph type="sldNum" idx="2"/>
           </p:nvPr>
         </p:nvSpPr>
         <p:spPr/>
         <p:txBody>
           <a:bodyPr/>
           <a:p>
-            <a:fld id="{470DF061-9BEC-4649-A4A8-9402AC7E332A}" type="slidenum">
+            <a:fld id="{66AA15AF-D468-4E1B-8D39-5840C942B799}" type="slidenum">
               <a:t>&lt;#&gt;</a:t>
             </a:fld>
           </a:p>
@@ -79,7 +79,7 @@
             <a:spLocks noGrp="1"/>
           </p:cNvSpPr>
           <p:nvPr>
-            <p:ph type="dt" idx="1"/>
+            <p:ph type="dt" idx="3"/>
           </p:nvPr>
         </p:nvSpPr>
         <p:spPr/>
@@ -143,11 +143,11 @@
             <a:noAutofit/>
           </a:bodyPr>
           <a:p>
-            <a:endParaRPr b="0" lang="en-US" sz="1800" spc="-1" strike="noStrike">
-              <a:solidFill>
-                <a:srgbClr val="000000"/>
-              </a:solidFill>
-              <a:latin typeface="Calibri"/>
+            <a:pPr algn="ctr">
+              <a:buNone/>
+            </a:pPr>
+            <a:endParaRPr b="0" lang="en-US" sz="4400" spc="-1" strike="noStrike">
+              <a:latin typeface="Arial"/>
             </a:endParaRPr>
           </a:p>
         </p:txBody>
@@ -180,20 +180,8 @@
             <a:normAutofit/>
           </a:bodyPr>
           <a:p>
-            <a:pPr>
-              <a:lnSpc>
-                <a:spcPct val="90000"/>
-              </a:lnSpc>
-              <a:spcBef>
-                <a:spcPts val="1417"/>
-              </a:spcBef>
-              <a:buNone/>
-            </a:pPr>
-            <a:endParaRPr b="0" lang="en-US" sz="2800" spc="-1" strike="noStrike">
-              <a:solidFill>
-                <a:srgbClr val="000000"/>
-              </a:solidFill>
-              <a:latin typeface="Calibri"/>
+            <a:endParaRPr b="0" lang="en-US" sz="3200" spc="-1" strike="noStrike">
+              <a:latin typeface="Arial"/>
             </a:endParaRPr>
           </a:p>
         </p:txBody>
@@ -226,20 +214,8 @@
             <a:normAutofit/>
           </a:bodyPr>
           <a:p>
-            <a:pPr>
-              <a:lnSpc>
-                <a:spcPct val="90000"/>
-              </a:lnSpc>
-              <a:spcBef>
-                <a:spcPts val="1417"/>
-              </a:spcBef>
-              <a:buNone/>
-            </a:pPr>
-            <a:endParaRPr b="0" lang="en-US" sz="2800" spc="-1" strike="noStrike">
-              <a:solidFill>
-                <a:srgbClr val="000000"/>
-              </a:solidFill>
-              <a:latin typeface="Calibri"/>
+            <a:endParaRPr b="0" lang="en-US" sz="3200" spc="-1" strike="noStrike">
+              <a:latin typeface="Arial"/>
             </a:endParaRPr>
           </a:p>
         </p:txBody>
@@ -251,7 +227,7 @@
             <a:spLocks noGrp="1"/>
           </p:cNvSpPr>
           <p:nvPr>
-            <p:ph type="ftr" idx="2"/>
+            <p:ph type="ftr" idx="1"/>
           </p:nvPr>
         </p:nvSpPr>
         <p:spPr/>
@@ -271,14 +247,14 @@
             <a:spLocks noGrp="1"/>
           </p:cNvSpPr>
           <p:nvPr>
-            <p:ph type="sldNum" idx="3"/>
+            <p:ph type="sldNum" idx="2"/>
           </p:nvPr>
         </p:nvSpPr>
         <p:spPr/>
         <p:txBody>
           <a:bodyPr/>
           <a:p>
-            <a:fld id="{9177DD92-4B35-41FF-B99B-CACA45F67B80}" type="slidenum">
+            <a:fld id="{9538FC98-C5FE-42D2-A4E7-382AD1FF6F3D}" type="slidenum">
               <a:t>&lt;#&gt;</a:t>
             </a:fld>
           </a:p>
@@ -291,7 +267,7 @@
             <a:spLocks noGrp="1"/>
           </p:cNvSpPr>
           <p:nvPr>
-            <p:ph type="dt" idx="1"/>
+            <p:ph type="dt" idx="3"/>
           </p:nvPr>
         </p:nvSpPr>
         <p:spPr/>
@@ -355,11 +331,11 @@
             <a:noAutofit/>
           </a:bodyPr>
           <a:p>
-            <a:endParaRPr b="0" lang="en-US" sz="1800" spc="-1" strike="noStrike">
-              <a:solidFill>
-                <a:srgbClr val="000000"/>
-              </a:solidFill>
-              <a:latin typeface="Calibri"/>
+            <a:pPr algn="ctr">
+              <a:buNone/>
+            </a:pPr>
+            <a:endParaRPr b="0" lang="en-US" sz="4400" spc="-1" strike="noStrike">
+              <a:latin typeface="Arial"/>
             </a:endParaRPr>
           </a:p>
         </p:txBody>
@@ -392,20 +368,8 @@
             <a:normAutofit/>
           </a:bodyPr>
           <a:p>
-            <a:pPr>
-              <a:lnSpc>
-                <a:spcPct val="90000"/>
-              </a:lnSpc>
-              <a:spcBef>
-                <a:spcPts val="1417"/>
-              </a:spcBef>
-              <a:buNone/>
-            </a:pPr>
-            <a:endParaRPr b="0" lang="en-US" sz="2800" spc="-1" strike="noStrike">
-              <a:solidFill>
-                <a:srgbClr val="000000"/>
-              </a:solidFill>
-              <a:latin typeface="Calibri"/>
+            <a:endParaRPr b="0" lang="en-US" sz="3200" spc="-1" strike="noStrike">
+              <a:latin typeface="Arial"/>
             </a:endParaRPr>
           </a:p>
         </p:txBody>
@@ -438,20 +402,8 @@
             <a:normAutofit/>
           </a:bodyPr>
           <a:p>
-            <a:pPr>
-              <a:lnSpc>
-                <a:spcPct val="90000"/>
-              </a:lnSpc>
-              <a:spcBef>
-                <a:spcPts val="1417"/>
-              </a:spcBef>
-              <a:buNone/>
-            </a:pPr>
-            <a:endParaRPr b="0" lang="en-US" sz="2800" spc="-1" strike="noStrike">
-              <a:solidFill>
-                <a:srgbClr val="000000"/>
-              </a:solidFill>
-              <a:latin typeface="Calibri"/>
+            <a:endParaRPr b="0" lang="en-US" sz="3200" spc="-1" strike="noStrike">
+              <a:latin typeface="Arial"/>
             </a:endParaRPr>
           </a:p>
         </p:txBody>
@@ -484,20 +436,8 @@
             <a:normAutofit/>
           </a:bodyPr>
           <a:p>
-            <a:pPr>
-              <a:lnSpc>
-                <a:spcPct val="90000"/>
-              </a:lnSpc>
-              <a:spcBef>
-                <a:spcPts val="1417"/>
-              </a:spcBef>
-              <a:buNone/>
-            </a:pPr>
-            <a:endParaRPr b="0" lang="en-US" sz="2800" spc="-1" strike="noStrike">
-              <a:solidFill>
-                <a:srgbClr val="000000"/>
-              </a:solidFill>
-              <a:latin typeface="Calibri"/>
+            <a:endParaRPr b="0" lang="en-US" sz="3200" spc="-1" strike="noStrike">
+              <a:latin typeface="Arial"/>
             </a:endParaRPr>
           </a:p>
         </p:txBody>
@@ -530,20 +470,8 @@
             <a:normAutofit/>
           </a:bodyPr>
           <a:p>
-            <a:pPr>
-              <a:lnSpc>
-                <a:spcPct val="90000"/>
-              </a:lnSpc>
-              <a:spcBef>
-                <a:spcPts val="1417"/>
-              </a:spcBef>
-              <a:buNone/>
-            </a:pPr>
-            <a:endParaRPr b="0" lang="en-US" sz="2800" spc="-1" strike="noStrike">
-              <a:solidFill>
-                <a:srgbClr val="000000"/>
-              </a:solidFill>
-              <a:latin typeface="Calibri"/>
+            <a:endParaRPr b="0" lang="en-US" sz="3200" spc="-1" strike="noStrike">
+              <a:latin typeface="Arial"/>
             </a:endParaRPr>
           </a:p>
         </p:txBody>
@@ -555,7 +483,7 @@
             <a:spLocks noGrp="1"/>
           </p:cNvSpPr>
           <p:nvPr>
-            <p:ph type="ftr" idx="2"/>
+            <p:ph type="ftr" idx="1"/>
           </p:nvPr>
         </p:nvSpPr>
         <p:spPr/>
@@ -575,14 +503,14 @@
             <a:spLocks noGrp="1"/>
           </p:cNvSpPr>
           <p:nvPr>
-            <p:ph type="sldNum" idx="3"/>
+            <p:ph type="sldNum" idx="2"/>
           </p:nvPr>
         </p:nvSpPr>
         <p:spPr/>
         <p:txBody>
           <a:bodyPr/>
           <a:p>
-            <a:fld id="{B420F178-231B-4CFD-9618-EDD73AF2C213}" type="slidenum">
+            <a:fld id="{B3AFA33A-BF8C-4E28-9A64-F23A4EFBFB8B}" type="slidenum">
               <a:t>&lt;#&gt;</a:t>
             </a:fld>
           </a:p>
@@ -595,7 +523,7 @@
             <a:spLocks noGrp="1"/>
           </p:cNvSpPr>
           <p:nvPr>
-            <p:ph type="dt" idx="1"/>
+            <p:ph type="dt" idx="3"/>
           </p:nvPr>
         </p:nvSpPr>
         <p:spPr/>
@@ -659,11 +587,11 @@
             <a:noAutofit/>
           </a:bodyPr>
           <a:p>
-            <a:endParaRPr b="0" lang="en-US" sz="1800" spc="-1" strike="noStrike">
-              <a:solidFill>
-                <a:srgbClr val="000000"/>
-              </a:solidFill>
-              <a:latin typeface="Calibri"/>
+            <a:pPr algn="ctr">
+              <a:buNone/>
+            </a:pPr>
+            <a:endParaRPr b="0" lang="en-US" sz="4400" spc="-1" strike="noStrike">
+              <a:latin typeface="Arial"/>
             </a:endParaRPr>
           </a:p>
         </p:txBody>
@@ -696,20 +624,8 @@
             <a:normAutofit/>
           </a:bodyPr>
           <a:p>
-            <a:pPr>
-              <a:lnSpc>
-                <a:spcPct val="90000"/>
-              </a:lnSpc>
-              <a:spcBef>
-                <a:spcPts val="1417"/>
-              </a:spcBef>
-              <a:buNone/>
-            </a:pPr>
-            <a:endParaRPr b="0" lang="en-US" sz="2800" spc="-1" strike="noStrike">
-              <a:solidFill>
-                <a:srgbClr val="000000"/>
-              </a:solidFill>
-              <a:latin typeface="Calibri"/>
+            <a:endParaRPr b="0" lang="en-US" sz="3200" spc="-1" strike="noStrike">
+              <a:latin typeface="Arial"/>
             </a:endParaRPr>
           </a:p>
         </p:txBody>
@@ -742,20 +658,8 @@
             <a:normAutofit/>
           </a:bodyPr>
           <a:p>
-            <a:pPr>
-              <a:lnSpc>
-                <a:spcPct val="90000"/>
-              </a:lnSpc>
-              <a:spcBef>
-                <a:spcPts val="1417"/>
-              </a:spcBef>
-              <a:buNone/>
-            </a:pPr>
-            <a:endParaRPr b="0" lang="en-US" sz="2800" spc="-1" strike="noStrike">
-              <a:solidFill>
-                <a:srgbClr val="000000"/>
-              </a:solidFill>
-              <a:latin typeface="Calibri"/>
+            <a:endParaRPr b="0" lang="en-US" sz="3200" spc="-1" strike="noStrike">
+              <a:latin typeface="Arial"/>
             </a:endParaRPr>
           </a:p>
         </p:txBody>
@@ -788,20 +692,8 @@
             <a:normAutofit/>
           </a:bodyPr>
           <a:p>
-            <a:pPr>
-              <a:lnSpc>
-                <a:spcPct val="90000"/>
-              </a:lnSpc>
-              <a:spcBef>
-                <a:spcPts val="1417"/>
-              </a:spcBef>
-              <a:buNone/>
-            </a:pPr>
-            <a:endParaRPr b="0" lang="en-US" sz="2800" spc="-1" strike="noStrike">
-              <a:solidFill>
-                <a:srgbClr val="000000"/>
-              </a:solidFill>
-              <a:latin typeface="Calibri"/>
+            <a:endParaRPr b="0" lang="en-US" sz="3200" spc="-1" strike="noStrike">
+              <a:latin typeface="Arial"/>
             </a:endParaRPr>
           </a:p>
         </p:txBody>
@@ -834,20 +726,8 @@
             <a:normAutofit/>
           </a:bodyPr>
           <a:p>
-            <a:pPr>
-              <a:lnSpc>
-                <a:spcPct val="90000"/>
-              </a:lnSpc>
-              <a:spcBef>
-                <a:spcPts val="1417"/>
-              </a:spcBef>
-              <a:buNone/>
-            </a:pPr>
-            <a:endParaRPr b="0" lang="en-US" sz="2800" spc="-1" strike="noStrike">
-              <a:solidFill>
-                <a:srgbClr val="000000"/>
-              </a:solidFill>
-              <a:latin typeface="Calibri"/>
+            <a:endParaRPr b="0" lang="en-US" sz="3200" spc="-1" strike="noStrike">
+              <a:latin typeface="Arial"/>
             </a:endParaRPr>
           </a:p>
         </p:txBody>
@@ -880,20 +760,8 @@
             <a:normAutofit/>
           </a:bodyPr>
           <a:p>
-            <a:pPr>
-              <a:lnSpc>
-                <a:spcPct val="90000"/>
-              </a:lnSpc>
-              <a:spcBef>
-                <a:spcPts val="1417"/>
-              </a:spcBef>
-              <a:buNone/>
-            </a:pPr>
-            <a:endParaRPr b="0" lang="en-US" sz="2800" spc="-1" strike="noStrike">
-              <a:solidFill>
-                <a:srgbClr val="000000"/>
-              </a:solidFill>
-              <a:latin typeface="Calibri"/>
+            <a:endParaRPr b="0" lang="en-US" sz="3200" spc="-1" strike="noStrike">
+              <a:latin typeface="Arial"/>
             </a:endParaRPr>
           </a:p>
         </p:txBody>
@@ -926,20 +794,8 @@
             <a:normAutofit/>
           </a:bodyPr>
           <a:p>
-            <a:pPr>
-              <a:lnSpc>
-                <a:spcPct val="90000"/>
-              </a:lnSpc>
-              <a:spcBef>
-                <a:spcPts val="1417"/>
-              </a:spcBef>
-              <a:buNone/>
-            </a:pPr>
-            <a:endParaRPr b="0" lang="en-US" sz="2800" spc="-1" strike="noStrike">
-              <a:solidFill>
-                <a:srgbClr val="000000"/>
-              </a:solidFill>
-              <a:latin typeface="Calibri"/>
+            <a:endParaRPr b="0" lang="en-US" sz="3200" spc="-1" strike="noStrike">
+              <a:latin typeface="Arial"/>
             </a:endParaRPr>
           </a:p>
         </p:txBody>
@@ -951,7 +807,7 @@
             <a:spLocks noGrp="1"/>
           </p:cNvSpPr>
           <p:nvPr>
-            <p:ph type="ftr" idx="2"/>
+            <p:ph type="ftr" idx="1"/>
           </p:nvPr>
         </p:nvSpPr>
         <p:spPr/>
@@ -971,14 +827,14 @@
             <a:spLocks noGrp="1"/>
           </p:cNvSpPr>
           <p:nvPr>
-            <p:ph type="sldNum" idx="3"/>
+            <p:ph type="sldNum" idx="2"/>
           </p:nvPr>
         </p:nvSpPr>
         <p:spPr/>
         <p:txBody>
           <a:bodyPr/>
           <a:p>
-            <a:fld id="{1E8D9C87-321B-4D03-B37D-38B74165A81E}" type="slidenum">
+            <a:fld id="{02EB687A-5A84-447A-A0DA-CC2AD0FDBAA5}" type="slidenum">
               <a:t>&lt;#&gt;</a:t>
             </a:fld>
           </a:p>
@@ -991,7 +847,7 @@
             <a:spLocks noGrp="1"/>
           </p:cNvSpPr>
           <p:nvPr>
-            <p:ph type="dt" idx="1"/>
+            <p:ph type="dt" idx="3"/>
           </p:nvPr>
         </p:nvSpPr>
         <p:spPr/>
@@ -1055,11 +911,11 @@
             <a:noAutofit/>
           </a:bodyPr>
           <a:p>
-            <a:endParaRPr b="0" lang="en-US" sz="1800" spc="-1" strike="noStrike">
-              <a:solidFill>
-                <a:srgbClr val="000000"/>
-              </a:solidFill>
-              <a:latin typeface="Calibri"/>
+            <a:pPr algn="ctr">
+              <a:buNone/>
+            </a:pPr>
+            <a:endParaRPr b="0" lang="en-US" sz="4400" spc="-1" strike="noStrike">
+              <a:latin typeface="Arial"/>
             </a:endParaRPr>
           </a:p>
         </p:txBody>
@@ -1108,7 +964,7 @@
             <a:spLocks noGrp="1"/>
           </p:cNvSpPr>
           <p:nvPr>
-            <p:ph type="ftr" idx="2"/>
+            <p:ph type="ftr" idx="1"/>
           </p:nvPr>
         </p:nvSpPr>
         <p:spPr/>
@@ -1128,14 +984,14 @@
             <a:spLocks noGrp="1"/>
           </p:cNvSpPr>
           <p:nvPr>
-            <p:ph type="sldNum" idx="3"/>
+            <p:ph type="sldNum" idx="2"/>
           </p:nvPr>
         </p:nvSpPr>
         <p:spPr/>
         <p:txBody>
           <a:bodyPr/>
           <a:p>
-            <a:fld id="{C76A9A63-466F-442A-B697-BF8879D1A416}" type="slidenum">
+            <a:fld id="{C0B20A2B-D621-4D7C-AC99-306EDB7B9396}" type="slidenum">
               <a:t>&lt;#&gt;</a:t>
             </a:fld>
           </a:p>
@@ -1148,7 +1004,7 @@
             <a:spLocks noGrp="1"/>
           </p:cNvSpPr>
           <p:nvPr>
-            <p:ph type="dt" idx="1"/>
+            <p:ph type="dt" idx="3"/>
           </p:nvPr>
         </p:nvSpPr>
         <p:spPr/>
@@ -1212,11 +1068,11 @@
             <a:noAutofit/>
           </a:bodyPr>
           <a:p>
-            <a:endParaRPr b="0" lang="en-US" sz="1800" spc="-1" strike="noStrike">
-              <a:solidFill>
-                <a:srgbClr val="000000"/>
-              </a:solidFill>
-              <a:latin typeface="Calibri"/>
+            <a:pPr algn="ctr">
+              <a:buNone/>
+            </a:pPr>
+            <a:endParaRPr b="0" lang="en-US" sz="4400" spc="-1" strike="noStrike">
+              <a:latin typeface="Arial"/>
             </a:endParaRPr>
           </a:p>
         </p:txBody>
@@ -1249,20 +1105,8 @@
             <a:normAutofit/>
           </a:bodyPr>
           <a:p>
-            <a:pPr>
-              <a:lnSpc>
-                <a:spcPct val="90000"/>
-              </a:lnSpc>
-              <a:spcBef>
-                <a:spcPts val="1417"/>
-              </a:spcBef>
-              <a:buNone/>
-            </a:pPr>
-            <a:endParaRPr b="0" lang="en-US" sz="2800" spc="-1" strike="noStrike">
-              <a:solidFill>
-                <a:srgbClr val="000000"/>
-              </a:solidFill>
-              <a:latin typeface="Calibri"/>
+            <a:endParaRPr b="0" lang="en-US" sz="3200" spc="-1" strike="noStrike">
+              <a:latin typeface="Arial"/>
             </a:endParaRPr>
           </a:p>
         </p:txBody>
@@ -1274,7 +1118,7 @@
             <a:spLocks noGrp="1"/>
           </p:cNvSpPr>
           <p:nvPr>
-            <p:ph type="ftr" idx="2"/>
+            <p:ph type="ftr" idx="1"/>
           </p:nvPr>
         </p:nvSpPr>
         <p:spPr/>
@@ -1294,14 +1138,14 @@
             <a:spLocks noGrp="1"/>
           </p:cNvSpPr>
           <p:nvPr>
-            <p:ph type="sldNum" idx="3"/>
+            <p:ph type="sldNum" idx="2"/>
           </p:nvPr>
         </p:nvSpPr>
         <p:spPr/>
         <p:txBody>
           <a:bodyPr/>
           <a:p>
-            <a:fld id="{19894271-2709-4431-BCB0-A24157178099}" type="slidenum">
+            <a:fld id="{CD8C5CE7-6226-4795-81F5-424BFF1B9CB0}" type="slidenum">
               <a:t>&lt;#&gt;</a:t>
             </a:fld>
           </a:p>
@@ -1314,7 +1158,7 @@
             <a:spLocks noGrp="1"/>
           </p:cNvSpPr>
           <p:nvPr>
-            <p:ph type="dt" idx="1"/>
+            <p:ph type="dt" idx="3"/>
           </p:nvPr>
         </p:nvSpPr>
         <p:spPr/>
@@ -1378,11 +1222,11 @@
             <a:noAutofit/>
           </a:bodyPr>
           <a:p>
-            <a:endParaRPr b="0" lang="en-US" sz="1800" spc="-1" strike="noStrike">
-              <a:solidFill>
-                <a:srgbClr val="000000"/>
-              </a:solidFill>
-              <a:latin typeface="Calibri"/>
+            <a:pPr algn="ctr">
+              <a:buNone/>
+            </a:pPr>
+            <a:endParaRPr b="0" lang="en-US" sz="4400" spc="-1" strike="noStrike">
+              <a:latin typeface="Arial"/>
             </a:endParaRPr>
           </a:p>
         </p:txBody>
@@ -1415,20 +1259,8 @@
             <a:normAutofit/>
           </a:bodyPr>
           <a:p>
-            <a:pPr>
-              <a:lnSpc>
-                <a:spcPct val="90000"/>
-              </a:lnSpc>
-              <a:spcBef>
-                <a:spcPts val="1417"/>
-              </a:spcBef>
-              <a:buNone/>
-            </a:pPr>
-            <a:endParaRPr b="0" lang="en-US" sz="2800" spc="-1" strike="noStrike">
-              <a:solidFill>
-                <a:srgbClr val="000000"/>
-              </a:solidFill>
-              <a:latin typeface="Calibri"/>
+            <a:endParaRPr b="0" lang="en-US" sz="3200" spc="-1" strike="noStrike">
+              <a:latin typeface="Arial"/>
             </a:endParaRPr>
           </a:p>
         </p:txBody>
@@ -1461,20 +1293,8 @@
             <a:normAutofit/>
           </a:bodyPr>
           <a:p>
-            <a:pPr>
-              <a:lnSpc>
-                <a:spcPct val="90000"/>
-              </a:lnSpc>
-              <a:spcBef>
-                <a:spcPts val="1417"/>
-              </a:spcBef>
-              <a:buNone/>
-            </a:pPr>
-            <a:endParaRPr b="0" lang="en-US" sz="2800" spc="-1" strike="noStrike">
-              <a:solidFill>
-                <a:srgbClr val="000000"/>
-              </a:solidFill>
-              <a:latin typeface="Calibri"/>
+            <a:endParaRPr b="0" lang="en-US" sz="3200" spc="-1" strike="noStrike">
+              <a:latin typeface="Arial"/>
             </a:endParaRPr>
           </a:p>
         </p:txBody>
@@ -1486,7 +1306,7 @@
             <a:spLocks noGrp="1"/>
           </p:cNvSpPr>
           <p:nvPr>
-            <p:ph type="ftr" idx="2"/>
+            <p:ph type="ftr" idx="1"/>
           </p:nvPr>
         </p:nvSpPr>
         <p:spPr/>
@@ -1506,14 +1326,14 @@
             <a:spLocks noGrp="1"/>
           </p:cNvSpPr>
           <p:nvPr>
-            <p:ph type="sldNum" idx="3"/>
+            <p:ph type="sldNum" idx="2"/>
           </p:nvPr>
         </p:nvSpPr>
         <p:spPr/>
         <p:txBody>
           <a:bodyPr/>
           <a:p>
-            <a:fld id="{BBD4D1DE-97AE-4DD1-A029-54C26555EB1B}" type="slidenum">
+            <a:fld id="{9E13B527-C41D-40C9-A399-5529CFDEE440}" type="slidenum">
               <a:t>&lt;#&gt;</a:t>
             </a:fld>
           </a:p>
@@ -1526,7 +1346,7 @@
             <a:spLocks noGrp="1"/>
           </p:cNvSpPr>
           <p:nvPr>
-            <p:ph type="dt" idx="1"/>
+            <p:ph type="dt" idx="3"/>
           </p:nvPr>
         </p:nvSpPr>
         <p:spPr/>
@@ -1590,11 +1410,11 @@
             <a:noAutofit/>
           </a:bodyPr>
           <a:p>
-            <a:endParaRPr b="0" lang="en-US" sz="1800" spc="-1" strike="noStrike">
-              <a:solidFill>
-                <a:srgbClr val="000000"/>
-              </a:solidFill>
-              <a:latin typeface="Calibri"/>
+            <a:pPr algn="ctr">
+              <a:buNone/>
+            </a:pPr>
+            <a:endParaRPr b="0" lang="en-US" sz="4400" spc="-1" strike="noStrike">
+              <a:latin typeface="Arial"/>
             </a:endParaRPr>
           </a:p>
         </p:txBody>
@@ -1606,7 +1426,7 @@
             <a:spLocks noGrp="1"/>
           </p:cNvSpPr>
           <p:nvPr>
-            <p:ph type="ftr" idx="2"/>
+            <p:ph type="ftr" idx="1"/>
           </p:nvPr>
         </p:nvSpPr>
         <p:spPr/>
@@ -1626,14 +1446,14 @@
             <a:spLocks noGrp="1"/>
           </p:cNvSpPr>
           <p:nvPr>
-            <p:ph type="sldNum" idx="3"/>
+            <p:ph type="sldNum" idx="2"/>
           </p:nvPr>
         </p:nvSpPr>
         <p:spPr/>
         <p:txBody>
           <a:bodyPr/>
           <a:p>
-            <a:fld id="{4E86AEA4-FCF5-4228-B439-3F8EA45486DD}" type="slidenum">
+            <a:fld id="{B6B307F5-D1E3-4039-A1CA-EEC1AE9E2F05}" type="slidenum">
               <a:t>&lt;#&gt;</a:t>
             </a:fld>
           </a:p>
@@ -1646,7 +1466,7 @@
             <a:spLocks noGrp="1"/>
           </p:cNvSpPr>
           <p:nvPr>
-            <p:ph type="dt" idx="1"/>
+            <p:ph type="dt" idx="3"/>
           </p:nvPr>
         </p:nvSpPr>
         <p:spPr/>
@@ -1726,7 +1546,7 @@
             <a:spLocks noGrp="1"/>
           </p:cNvSpPr>
           <p:nvPr>
-            <p:ph type="ftr" idx="2"/>
+            <p:ph type="ftr" idx="1"/>
           </p:nvPr>
         </p:nvSpPr>
         <p:spPr/>
@@ -1746,14 +1566,14 @@
             <a:spLocks noGrp="1"/>
           </p:cNvSpPr>
           <p:nvPr>
-            <p:ph type="sldNum" idx="3"/>
+            <p:ph type="sldNum" idx="2"/>
           </p:nvPr>
         </p:nvSpPr>
         <p:spPr/>
         <p:txBody>
           <a:bodyPr/>
           <a:p>
-            <a:fld id="{B9E38728-DD50-47A3-A9D8-C50D8F97E061}" type="slidenum">
+            <a:fld id="{82811BEB-22F6-47F0-9095-221AB37B9535}" type="slidenum">
               <a:t>&lt;#&gt;</a:t>
             </a:fld>
           </a:p>
@@ -1766,7 +1586,7 @@
             <a:spLocks noGrp="1"/>
           </p:cNvSpPr>
           <p:nvPr>
-            <p:ph type="dt" idx="1"/>
+            <p:ph type="dt" idx="3"/>
           </p:nvPr>
         </p:nvSpPr>
         <p:spPr/>
@@ -1830,11 +1650,11 @@
             <a:noAutofit/>
           </a:bodyPr>
           <a:p>
-            <a:endParaRPr b="0" lang="en-US" sz="1800" spc="-1" strike="noStrike">
-              <a:solidFill>
-                <a:srgbClr val="000000"/>
-              </a:solidFill>
-              <a:latin typeface="Calibri"/>
+            <a:pPr algn="ctr">
+              <a:buNone/>
+            </a:pPr>
+            <a:endParaRPr b="0" lang="en-US" sz="4400" spc="-1" strike="noStrike">
+              <a:latin typeface="Arial"/>
             </a:endParaRPr>
           </a:p>
         </p:txBody>
@@ -1867,20 +1687,8 @@
             <a:normAutofit/>
           </a:bodyPr>
           <a:p>
-            <a:pPr>
-              <a:lnSpc>
-                <a:spcPct val="90000"/>
-              </a:lnSpc>
-              <a:spcBef>
-                <a:spcPts val="1417"/>
-              </a:spcBef>
-              <a:buNone/>
-            </a:pPr>
-            <a:endParaRPr b="0" lang="en-US" sz="2800" spc="-1" strike="noStrike">
-              <a:solidFill>
-                <a:srgbClr val="000000"/>
-              </a:solidFill>
-              <a:latin typeface="Calibri"/>
+            <a:endParaRPr b="0" lang="en-US" sz="3200" spc="-1" strike="noStrike">
+              <a:latin typeface="Arial"/>
             </a:endParaRPr>
           </a:p>
         </p:txBody>
@@ -1913,20 +1721,8 @@
             <a:normAutofit/>
           </a:bodyPr>
           <a:p>
-            <a:pPr>
-              <a:lnSpc>
-                <a:spcPct val="90000"/>
-              </a:lnSpc>
-              <a:spcBef>
-                <a:spcPts val="1417"/>
-              </a:spcBef>
-              <a:buNone/>
-            </a:pPr>
-            <a:endParaRPr b="0" lang="en-US" sz="2800" spc="-1" strike="noStrike">
-              <a:solidFill>
-                <a:srgbClr val="000000"/>
-              </a:solidFill>
-              <a:latin typeface="Calibri"/>
+            <a:endParaRPr b="0" lang="en-US" sz="3200" spc="-1" strike="noStrike">
+              <a:latin typeface="Arial"/>
             </a:endParaRPr>
           </a:p>
         </p:txBody>
@@ -1959,20 +1755,8 @@
             <a:normAutofit/>
           </a:bodyPr>
           <a:p>
-            <a:pPr>
-              <a:lnSpc>
-                <a:spcPct val="90000"/>
-              </a:lnSpc>
-              <a:spcBef>
-                <a:spcPts val="1417"/>
-              </a:spcBef>
-              <a:buNone/>
-            </a:pPr>
-            <a:endParaRPr b="0" lang="en-US" sz="2800" spc="-1" strike="noStrike">
-              <a:solidFill>
-                <a:srgbClr val="000000"/>
-              </a:solidFill>
-              <a:latin typeface="Calibri"/>
+            <a:endParaRPr b="0" lang="en-US" sz="3200" spc="-1" strike="noStrike">
+              <a:latin typeface="Arial"/>
             </a:endParaRPr>
           </a:p>
         </p:txBody>
@@ -1984,7 +1768,7 @@
             <a:spLocks noGrp="1"/>
           </p:cNvSpPr>
           <p:nvPr>
-            <p:ph type="ftr" idx="2"/>
+            <p:ph type="ftr" idx="1"/>
           </p:nvPr>
         </p:nvSpPr>
         <p:spPr/>
@@ -2004,14 +1788,14 @@
             <a:spLocks noGrp="1"/>
           </p:cNvSpPr>
           <p:nvPr>
-            <p:ph type="sldNum" idx="3"/>
+            <p:ph type="sldNum" idx="2"/>
           </p:nvPr>
         </p:nvSpPr>
         <p:spPr/>
         <p:txBody>
           <a:bodyPr/>
           <a:p>
-            <a:fld id="{F231D9AA-A8DE-4B69-BD56-0B9F991BDB40}" type="slidenum">
+            <a:fld id="{66E2750E-FB50-44DC-A76F-D4779717F1C1}" type="slidenum">
               <a:t>&lt;#&gt;</a:t>
             </a:fld>
           </a:p>
@@ -2024,7 +1808,7 @@
             <a:spLocks noGrp="1"/>
           </p:cNvSpPr>
           <p:nvPr>
-            <p:ph type="dt" idx="1"/>
+            <p:ph type="dt" idx="3"/>
           </p:nvPr>
         </p:nvSpPr>
         <p:spPr/>
@@ -2088,11 +1872,11 @@
             <a:noAutofit/>
           </a:bodyPr>
           <a:p>
-            <a:endParaRPr b="0" lang="en-US" sz="1800" spc="-1" strike="noStrike">
-              <a:solidFill>
-                <a:srgbClr val="000000"/>
-              </a:solidFill>
-              <a:latin typeface="Calibri"/>
+            <a:pPr algn="ctr">
+              <a:buNone/>
+            </a:pPr>
+            <a:endParaRPr b="0" lang="en-US" sz="4400" spc="-1" strike="noStrike">
+              <a:latin typeface="Arial"/>
             </a:endParaRPr>
           </a:p>
         </p:txBody>
@@ -2125,20 +1909,8 @@
             <a:normAutofit/>
           </a:bodyPr>
           <a:p>
-            <a:pPr>
-              <a:lnSpc>
-                <a:spcPct val="90000"/>
-              </a:lnSpc>
-              <a:spcBef>
-                <a:spcPts val="1417"/>
-              </a:spcBef>
-              <a:buNone/>
-            </a:pPr>
-            <a:endParaRPr b="0" lang="en-US" sz="2800" spc="-1" strike="noStrike">
-              <a:solidFill>
-                <a:srgbClr val="000000"/>
-              </a:solidFill>
-              <a:latin typeface="Calibri"/>
+            <a:endParaRPr b="0" lang="en-US" sz="3200" spc="-1" strike="noStrike">
+              <a:latin typeface="Arial"/>
             </a:endParaRPr>
           </a:p>
         </p:txBody>
@@ -2171,20 +1943,8 @@
             <a:normAutofit/>
           </a:bodyPr>
           <a:p>
-            <a:pPr>
-              <a:lnSpc>
-                <a:spcPct val="90000"/>
-              </a:lnSpc>
-              <a:spcBef>
-                <a:spcPts val="1417"/>
-              </a:spcBef>
-              <a:buNone/>
-            </a:pPr>
-            <a:endParaRPr b="0" lang="en-US" sz="2800" spc="-1" strike="noStrike">
-              <a:solidFill>
-                <a:srgbClr val="000000"/>
-              </a:solidFill>
-              <a:latin typeface="Calibri"/>
+            <a:endParaRPr b="0" lang="en-US" sz="3200" spc="-1" strike="noStrike">
+              <a:latin typeface="Arial"/>
             </a:endParaRPr>
           </a:p>
         </p:txBody>
@@ -2217,20 +1977,8 @@
             <a:normAutofit/>
           </a:bodyPr>
           <a:p>
-            <a:pPr>
-              <a:lnSpc>
-                <a:spcPct val="90000"/>
-              </a:lnSpc>
-              <a:spcBef>
-                <a:spcPts val="1417"/>
-              </a:spcBef>
-              <a:buNone/>
-            </a:pPr>
-            <a:endParaRPr b="0" lang="en-US" sz="2800" spc="-1" strike="noStrike">
-              <a:solidFill>
-                <a:srgbClr val="000000"/>
-              </a:solidFill>
-              <a:latin typeface="Calibri"/>
+            <a:endParaRPr b="0" lang="en-US" sz="3200" spc="-1" strike="noStrike">
+              <a:latin typeface="Arial"/>
             </a:endParaRPr>
           </a:p>
         </p:txBody>
@@ -2242,7 +1990,7 @@
             <a:spLocks noGrp="1"/>
           </p:cNvSpPr>
           <p:nvPr>
-            <p:ph type="ftr" idx="2"/>
+            <p:ph type="ftr" idx="1"/>
           </p:nvPr>
         </p:nvSpPr>
         <p:spPr/>
@@ -2262,14 +2010,14 @@
             <a:spLocks noGrp="1"/>
           </p:cNvSpPr>
           <p:nvPr>
-            <p:ph type="sldNum" idx="3"/>
+            <p:ph type="sldNum" idx="2"/>
           </p:nvPr>
         </p:nvSpPr>
         <p:spPr/>
         <p:txBody>
           <a:bodyPr/>
           <a:p>
-            <a:fld id="{9A60AA57-DD0B-4CA3-A06B-86911327EF85}" type="slidenum">
+            <a:fld id="{24632FF5-41A9-4905-9045-211DF7598DCE}" type="slidenum">
               <a:t>&lt;#&gt;</a:t>
             </a:fld>
           </a:p>
@@ -2282,7 +2030,7 @@
             <a:spLocks noGrp="1"/>
           </p:cNvSpPr>
           <p:nvPr>
-            <p:ph type="dt" idx="1"/>
+            <p:ph type="dt" idx="3"/>
           </p:nvPr>
         </p:nvSpPr>
         <p:spPr/>
@@ -2346,11 +2094,11 @@
             <a:noAutofit/>
           </a:bodyPr>
           <a:p>
-            <a:endParaRPr b="0" lang="en-US" sz="1800" spc="-1" strike="noStrike">
-              <a:solidFill>
-                <a:srgbClr val="000000"/>
-              </a:solidFill>
-              <a:latin typeface="Calibri"/>
+            <a:pPr algn="ctr">
+              <a:buNone/>
+            </a:pPr>
+            <a:endParaRPr b="0" lang="en-US" sz="4400" spc="-1" strike="noStrike">
+              <a:latin typeface="Arial"/>
             </a:endParaRPr>
           </a:p>
         </p:txBody>
@@ -2383,20 +2131,8 @@
             <a:normAutofit/>
           </a:bodyPr>
           <a:p>
-            <a:pPr>
-              <a:lnSpc>
-                <a:spcPct val="90000"/>
-              </a:lnSpc>
-              <a:spcBef>
-                <a:spcPts val="1417"/>
-              </a:spcBef>
-              <a:buNone/>
-            </a:pPr>
-            <a:endParaRPr b="0" lang="en-US" sz="2800" spc="-1" strike="noStrike">
-              <a:solidFill>
-                <a:srgbClr val="000000"/>
-              </a:solidFill>
-              <a:latin typeface="Calibri"/>
+            <a:endParaRPr b="0" lang="en-US" sz="3200" spc="-1" strike="noStrike">
+              <a:latin typeface="Arial"/>
             </a:endParaRPr>
           </a:p>
         </p:txBody>
@@ -2429,20 +2165,8 @@
             <a:normAutofit/>
           </a:bodyPr>
           <a:p>
-            <a:pPr>
-              <a:lnSpc>
-                <a:spcPct val="90000"/>
-              </a:lnSpc>
-              <a:spcBef>
-                <a:spcPts val="1417"/>
-              </a:spcBef>
-              <a:buNone/>
-            </a:pPr>
-            <a:endParaRPr b="0" lang="en-US" sz="2800" spc="-1" strike="noStrike">
-              <a:solidFill>
-                <a:srgbClr val="000000"/>
-              </a:solidFill>
-              <a:latin typeface="Calibri"/>
+            <a:endParaRPr b="0" lang="en-US" sz="3200" spc="-1" strike="noStrike">
+              <a:latin typeface="Arial"/>
             </a:endParaRPr>
           </a:p>
         </p:txBody>
@@ -2475,20 +2199,8 @@
             <a:normAutofit/>
           </a:bodyPr>
           <a:p>
-            <a:pPr>
-              <a:lnSpc>
-                <a:spcPct val="90000"/>
-              </a:lnSpc>
-              <a:spcBef>
-                <a:spcPts val="1417"/>
-              </a:spcBef>
-              <a:buNone/>
-            </a:pPr>
-            <a:endParaRPr b="0" lang="en-US" sz="2800" spc="-1" strike="noStrike">
-              <a:solidFill>
-                <a:srgbClr val="000000"/>
-              </a:solidFill>
-              <a:latin typeface="Calibri"/>
+            <a:endParaRPr b="0" lang="en-US" sz="3200" spc="-1" strike="noStrike">
+              <a:latin typeface="Arial"/>
             </a:endParaRPr>
           </a:p>
         </p:txBody>
@@ -2500,7 +2212,7 @@
             <a:spLocks noGrp="1"/>
           </p:cNvSpPr>
           <p:nvPr>
-            <p:ph type="ftr" idx="2"/>
+            <p:ph type="ftr" idx="1"/>
           </p:nvPr>
         </p:nvSpPr>
         <p:spPr/>
@@ -2520,14 +2232,14 @@
             <a:spLocks noGrp="1"/>
           </p:cNvSpPr>
           <p:nvPr>
-            <p:ph type="sldNum" idx="3"/>
+            <p:ph type="sldNum" idx="2"/>
           </p:nvPr>
         </p:nvSpPr>
         <p:spPr/>
         <p:txBody>
           <a:bodyPr/>
           <a:p>
-            <a:fld id="{8E917C32-28E6-47F3-9D38-148F1862EA86}" type="slidenum">
+            <a:fld id="{0241C2DE-3EB1-40D3-A49B-B30A2297F9BE}" type="slidenum">
               <a:t>&lt;#&gt;</a:t>
             </a:fld>
           </a:p>
@@ -2540,7 +2252,7 @@
             <a:spLocks noGrp="1"/>
           </p:cNvSpPr>
           <p:nvPr>
-            <p:ph type="dt" idx="1"/>
+            <p:ph type="dt" idx="3"/>
           </p:nvPr>
         </p:nvSpPr>
         <p:spPr/>
@@ -2590,13 +2302,13 @@
             <a:spLocks noGrp="1"/>
           </p:cNvSpPr>
           <p:nvPr>
-            <p:ph type="dt" idx="1"/>
+            <p:ph type="ftr" idx="1"/>
           </p:nvPr>
         </p:nvSpPr>
         <p:spPr>
           <a:xfrm>
-            <a:off x="838080" y="6356520"/>
-            <a:ext cx="2742840" cy="364680"/>
+            <a:off x="4038480" y="6356520"/>
+            <a:ext cx="4114080" cy="364320"/>
           </a:xfrm>
           <a:prstGeom prst="rect">
             <a:avLst/>
@@ -2607,40 +2319,34 @@
           </a:ln>
         </p:spPr>
         <p:txBody>
-          <a:bodyPr anchor="ctr">
+          <a:bodyPr lIns="90000" rIns="90000" tIns="45000" bIns="45000" anchor="ctr">
             <a:noAutofit/>
           </a:bodyPr>
           <a:lstStyle>
-            <a:lvl1pPr>
-              <a:lnSpc>
-                <a:spcPct val="100000"/>
-              </a:lnSpc>
-              <a:buNone/>
-              <a:defRPr b="0" lang="en-US" sz="1200" spc="-1" strike="noStrike">
-                <a:solidFill>
-                  <a:srgbClr val="8b8b8b"/>
-                </a:solidFill>
-                <a:latin typeface="Calibri"/>
+            <a:lvl1pPr algn="ctr">
+              <a:lnSpc>
+                <a:spcPct val="100000"/>
+              </a:lnSpc>
+              <a:buNone/>
+              <a:defRPr b="0" lang="en-US" sz="1400" spc="-1" strike="noStrike">
+                <a:latin typeface="Times New Roman"/>
               </a:defRPr>
             </a:lvl1pPr>
           </a:lstStyle>
           <a:p>
-            <a:pPr>
-              <a:lnSpc>
-                <a:spcPct val="100000"/>
-              </a:lnSpc>
-              <a:buNone/>
-            </a:pPr>
-            <a:r>
-              <a:rPr b="0" lang="en-US" sz="1200" spc="-1" strike="noStrike">
-                <a:solidFill>
-                  <a:srgbClr val="8b8b8b"/>
-                </a:solidFill>
-                <a:latin typeface="Calibri"/>
-              </a:rPr>
-              <a:t>&lt;date/time&gt;</a:t>
-            </a:r>
-            <a:endParaRPr b="0" lang="en-US" sz="1200" spc="-1" strike="noStrike">
+            <a:pPr algn="ctr">
+              <a:lnSpc>
+                <a:spcPct val="100000"/>
+              </a:lnSpc>
+              <a:buNone/>
+            </a:pPr>
+            <a:r>
+              <a:rPr b="0" lang="en-US" sz="1400" spc="-1" strike="noStrike">
+                <a:latin typeface="Times New Roman"/>
+              </a:rPr>
+              <a:t>&lt;footer&gt;</a:t>
+            </a:r>
+            <a:endParaRPr b="0" lang="en-US" sz="1400" spc="-1" strike="noStrike">
               <a:latin typeface="Times New Roman"/>
             </a:endParaRPr>
           </a:p>
@@ -2653,13 +2359,13 @@
             <a:spLocks noGrp="1"/>
           </p:cNvSpPr>
           <p:nvPr>
-            <p:ph type="ftr" idx="2"/>
+            <p:ph type="sldNum" idx="2"/>
           </p:nvPr>
         </p:nvSpPr>
         <p:spPr>
           <a:xfrm>
-            <a:off x="4038480" y="6356520"/>
-            <a:ext cx="4114440" cy="364680"/>
+            <a:off x="8610480" y="6356520"/>
+            <a:ext cx="2742480" cy="364320"/>
           </a:xfrm>
           <a:prstGeom prst="rect">
             <a:avLst/>
@@ -2670,91 +2376,87 @@
           </a:ln>
         </p:spPr>
         <p:txBody>
-          <a:bodyPr anchor="ctr">
+          <a:bodyPr lIns="90000" rIns="90000" tIns="45000" bIns="45000" anchor="ctr">
             <a:noAutofit/>
           </a:bodyPr>
           <a:lstStyle>
-            <a:lvl1pPr algn="ctr">
-              <a:buNone/>
+            <a:lvl1pPr algn="r">
+              <a:lnSpc>
+                <a:spcPct val="100000"/>
+              </a:lnSpc>
+              <a:buNone/>
+              <a:defRPr b="0" lang="en-US" sz="1200" spc="-1" strike="noStrike">
+                <a:solidFill>
+                  <a:srgbClr val="8b8b8b"/>
+                </a:solidFill>
+                <a:latin typeface="Calibri"/>
+              </a:defRPr>
+            </a:lvl1pPr>
+          </a:lstStyle>
+          <a:p>
+            <a:pPr algn="r">
+              <a:lnSpc>
+                <a:spcPct val="100000"/>
+              </a:lnSpc>
+              <a:buNone/>
+            </a:pPr>
+            <a:fld id="{B6430E96-EA7B-4843-9D3D-0977BA71DE32}" type="slidenum">
+              <a:rPr b="0" lang="en-US" sz="1200" spc="-1" strike="noStrike">
+                <a:solidFill>
+                  <a:srgbClr val="8b8b8b"/>
+                </a:solidFill>
+                <a:latin typeface="Calibri"/>
+              </a:rPr>
+              <a:t>&lt;number&gt;</a:t>
+            </a:fld>
+            <a:endParaRPr b="0" lang="en-US" sz="1200" spc="-1" strike="noStrike">
+              <a:latin typeface="Times New Roman"/>
+            </a:endParaRPr>
+          </a:p>
+        </p:txBody>
+      </p:sp>
+      <p:sp>
+        <p:nvSpPr>
+          <p:cNvPr id="2" name="PlaceHolder 3"/>
+          <p:cNvSpPr>
+            <a:spLocks noGrp="1"/>
+          </p:cNvSpPr>
+          <p:nvPr>
+            <p:ph type="dt" idx="3"/>
+          </p:nvPr>
+        </p:nvSpPr>
+        <p:spPr>
+          <a:xfrm>
+            <a:off x="838080" y="6356520"/>
+            <a:ext cx="2742480" cy="364320"/>
+          </a:xfrm>
+          <a:prstGeom prst="rect">
+            <a:avLst/>
+          </a:prstGeom>
+          <a:noFill/>
+          <a:ln w="0">
+            <a:noFill/>
+          </a:ln>
+        </p:spPr>
+        <p:txBody>
+          <a:bodyPr lIns="90000" rIns="90000" tIns="45000" bIns="45000" anchor="ctr">
+            <a:noAutofit/>
+          </a:bodyPr>
+          <a:lstStyle>
+            <a:lvl1pPr>
               <a:defRPr b="0" lang="en-US" sz="1400" spc="-1" strike="noStrike">
                 <a:latin typeface="Times New Roman"/>
               </a:defRPr>
             </a:lvl1pPr>
           </a:lstStyle>
           <a:p>
-            <a:pPr algn="ctr">
-              <a:buNone/>
-            </a:pPr>
             <a:r>
               <a:rPr b="0" lang="en-US" sz="1400" spc="-1" strike="noStrike">
                 <a:latin typeface="Times New Roman"/>
               </a:rPr>
-              <a:t>&lt;footer&gt;</a:t>
+              <a:t>&lt;date/time&gt;</a:t>
             </a:r>
             <a:endParaRPr b="0" lang="en-US" sz="1400" spc="-1" strike="noStrike">
-              <a:latin typeface="Times New Roman"/>
-            </a:endParaRPr>
-          </a:p>
-        </p:txBody>
-      </p:sp>
-      <p:sp>
-        <p:nvSpPr>
-          <p:cNvPr id="2" name="PlaceHolder 3"/>
-          <p:cNvSpPr>
-            <a:spLocks noGrp="1"/>
-          </p:cNvSpPr>
-          <p:nvPr>
-            <p:ph type="sldNum" idx="3"/>
-          </p:nvPr>
-        </p:nvSpPr>
-        <p:spPr>
-          <a:xfrm>
-            <a:off x="8610480" y="6356520"/>
-            <a:ext cx="2742840" cy="364680"/>
-          </a:xfrm>
-          <a:prstGeom prst="rect">
-            <a:avLst/>
-          </a:prstGeom>
-          <a:noFill/>
-          <a:ln w="0">
-            <a:noFill/>
-          </a:ln>
-        </p:spPr>
-        <p:txBody>
-          <a:bodyPr anchor="ctr">
-            <a:noAutofit/>
-          </a:bodyPr>
-          <a:lstStyle>
-            <a:lvl1pPr algn="r">
-              <a:lnSpc>
-                <a:spcPct val="100000"/>
-              </a:lnSpc>
-              <a:buNone/>
-              <a:defRPr b="0" lang="en-US" sz="1200" spc="-1" strike="noStrike">
-                <a:solidFill>
-                  <a:srgbClr val="8b8b8b"/>
-                </a:solidFill>
-                <a:latin typeface="Calibri"/>
-              </a:defRPr>
-            </a:lvl1pPr>
-          </a:lstStyle>
-          <a:p>
-            <a:pPr algn="r">
-              <a:lnSpc>
-                <a:spcPct val="100000"/>
-              </a:lnSpc>
-              <a:buNone/>
-            </a:pPr>
-            <a:fld id="{4585B534-AB24-43D8-9A75-427E445D130F}" type="slidenum">
-              <a:rPr b="0" lang="en-US" sz="1200" spc="-1" strike="noStrike">
-                <a:solidFill>
-                  <a:srgbClr val="8b8b8b"/>
-                </a:solidFill>
-                <a:latin typeface="Calibri"/>
-              </a:rPr>
-              <a:t>&lt;number&gt;</a:t>
-            </a:fld>
-            <a:endParaRPr b="0" lang="en-US" sz="1200" spc="-1" strike="noStrike">
               <a:latin typeface="Times New Roman"/>
             </a:endParaRPr>
           </a:p>
@@ -2788,20 +2490,17 @@
             <a:noAutofit/>
           </a:bodyPr>
           <a:p>
-            <a:r>
-              <a:rPr b="0" lang="en-US" sz="1800" spc="-1" strike="noStrike">
-                <a:solidFill>
-                  <a:srgbClr val="000000"/>
-                </a:solidFill>
-                <a:latin typeface="Calibri"/>
+            <a:pPr algn="ctr">
+              <a:buNone/>
+            </a:pPr>
+            <a:r>
+              <a:rPr b="0" lang="en-US" sz="4400" spc="-1" strike="noStrike">
+                <a:latin typeface="Arial"/>
               </a:rPr>
               <a:t>Click to edit the title text format</a:t>
             </a:r>
-            <a:endParaRPr b="0" lang="en-US" sz="1800" spc="-1" strike="noStrike">
-              <a:solidFill>
-                <a:srgbClr val="000000"/>
-              </a:solidFill>
-              <a:latin typeface="Calibri"/>
+            <a:endParaRPr b="0" lang="en-US" sz="4400" spc="-1" strike="noStrike">
+              <a:latin typeface="Arial"/>
             </a:endParaRPr>
           </a:p>
         </p:txBody>
@@ -2835,9 +2534,6 @@
           </a:bodyPr>
           <a:p>
             <a:pPr marL="432000" indent="-324000">
-              <a:lnSpc>
-                <a:spcPct val="90000"/>
-              </a:lnSpc>
               <a:spcBef>
                 <a:spcPts val="1417"/>
               </a:spcBef>
@@ -2849,26 +2545,17 @@
               <a:buChar char=""/>
             </a:pPr>
             <a:r>
-              <a:rPr b="0" lang="en-US" sz="2800" spc="-1" strike="noStrike">
-                <a:solidFill>
-                  <a:srgbClr val="000000"/>
-                </a:solidFill>
-                <a:latin typeface="Calibri"/>
+              <a:rPr b="0" lang="en-US" sz="3200" spc="-1" strike="noStrike">
+                <a:latin typeface="Arial"/>
               </a:rPr>
               <a:t>Click to edit the outline text format</a:t>
             </a:r>
-            <a:endParaRPr b="0" lang="en-US" sz="2800" spc="-1" strike="noStrike">
-              <a:solidFill>
-                <a:srgbClr val="000000"/>
-              </a:solidFill>
-              <a:latin typeface="Calibri"/>
+            <a:endParaRPr b="0" lang="en-US" sz="3200" spc="-1" strike="noStrike">
+              <a:latin typeface="Arial"/>
             </a:endParaRPr>
           </a:p>
           <a:p>
             <a:pPr lvl="1" marL="864000" indent="-324000">
-              <a:lnSpc>
-                <a:spcPct val="90000"/>
-              </a:lnSpc>
               <a:spcBef>
                 <a:spcPts val="1134"/>
               </a:spcBef>
@@ -2880,26 +2567,17 @@
               <a:buChar char=""/>
             </a:pPr>
             <a:r>
-              <a:rPr b="0" lang="en-US" sz="2000" spc="-1" strike="noStrike">
-                <a:solidFill>
-                  <a:srgbClr val="000000"/>
-                </a:solidFill>
-                <a:latin typeface="Calibri"/>
+              <a:rPr b="0" lang="en-US" sz="2800" spc="-1" strike="noStrike">
+                <a:latin typeface="Arial"/>
               </a:rPr>
               <a:t>Second Outline Level</a:t>
             </a:r>
-            <a:endParaRPr b="0" lang="en-US" sz="2000" spc="-1" strike="noStrike">
-              <a:solidFill>
-                <a:srgbClr val="000000"/>
-              </a:solidFill>
-              <a:latin typeface="Calibri"/>
+            <a:endParaRPr b="0" lang="en-US" sz="2800" spc="-1" strike="noStrike">
+              <a:latin typeface="Arial"/>
             </a:endParaRPr>
           </a:p>
           <a:p>
             <a:pPr lvl="2" marL="1296000" indent="-288000">
-              <a:lnSpc>
-                <a:spcPct val="90000"/>
-              </a:lnSpc>
               <a:spcBef>
                 <a:spcPts val="850"/>
               </a:spcBef>
@@ -2911,26 +2589,17 @@
               <a:buChar char=""/>
             </a:pPr>
             <a:r>
-              <a:rPr b="0" lang="en-US" sz="1800" spc="-1" strike="noStrike">
-                <a:solidFill>
-                  <a:srgbClr val="000000"/>
-                </a:solidFill>
-                <a:latin typeface="Calibri"/>
+              <a:rPr b="0" lang="en-US" sz="2400" spc="-1" strike="noStrike">
+                <a:latin typeface="Arial"/>
               </a:rPr>
               <a:t>Third Outline Level</a:t>
             </a:r>
-            <a:endParaRPr b="0" lang="en-US" sz="1800" spc="-1" strike="noStrike">
-              <a:solidFill>
-                <a:srgbClr val="000000"/>
-              </a:solidFill>
-              <a:latin typeface="Calibri"/>
+            <a:endParaRPr b="0" lang="en-US" sz="2400" spc="-1" strike="noStrike">
+              <a:latin typeface="Arial"/>
             </a:endParaRPr>
           </a:p>
           <a:p>
             <a:pPr lvl="3" marL="1728000" indent="-216000">
-              <a:lnSpc>
-                <a:spcPct val="90000"/>
-              </a:lnSpc>
               <a:spcBef>
                 <a:spcPts val="567"/>
               </a:spcBef>
@@ -2942,26 +2611,17 @@
               <a:buChar char=""/>
             </a:pPr>
             <a:r>
-              <a:rPr b="0" lang="en-US" sz="1800" spc="-1" strike="noStrike">
-                <a:solidFill>
-                  <a:srgbClr val="000000"/>
-                </a:solidFill>
-                <a:latin typeface="Calibri"/>
+              <a:rPr b="0" lang="en-US" sz="2000" spc="-1" strike="noStrike">
+                <a:latin typeface="Arial"/>
               </a:rPr>
               <a:t>Fourth Outline Level</a:t>
             </a:r>
-            <a:endParaRPr b="0" lang="en-US" sz="1800" spc="-1" strike="noStrike">
-              <a:solidFill>
-                <a:srgbClr val="000000"/>
-              </a:solidFill>
-              <a:latin typeface="Calibri"/>
+            <a:endParaRPr b="0" lang="en-US" sz="2000" spc="-1" strike="noStrike">
+              <a:latin typeface="Arial"/>
             </a:endParaRPr>
           </a:p>
           <a:p>
             <a:pPr lvl="4" marL="2160000" indent="-216000">
-              <a:lnSpc>
-                <a:spcPct val="90000"/>
-              </a:lnSpc>
               <a:spcBef>
                 <a:spcPts val="283"/>
               </a:spcBef>
@@ -2974,25 +2634,16 @@
             </a:pPr>
             <a:r>
               <a:rPr b="0" lang="en-US" sz="2000" spc="-1" strike="noStrike">
-                <a:solidFill>
-                  <a:srgbClr val="000000"/>
-                </a:solidFill>
-                <a:latin typeface="Calibri"/>
+                <a:latin typeface="Arial"/>
               </a:rPr>
               <a:t>Fifth Outline Level</a:t>
             </a:r>
             <a:endParaRPr b="0" lang="en-US" sz="2000" spc="-1" strike="noStrike">
-              <a:solidFill>
-                <a:srgbClr val="000000"/>
-              </a:solidFill>
-              <a:latin typeface="Calibri"/>
+              <a:latin typeface="Arial"/>
             </a:endParaRPr>
           </a:p>
           <a:p>
             <a:pPr lvl="5" marL="2592000" indent="-216000">
-              <a:lnSpc>
-                <a:spcPct val="90000"/>
-              </a:lnSpc>
               <a:spcBef>
                 <a:spcPts val="283"/>
               </a:spcBef>
@@ -3005,25 +2656,16 @@
             </a:pPr>
             <a:r>
               <a:rPr b="0" lang="en-US" sz="2000" spc="-1" strike="noStrike">
-                <a:solidFill>
-                  <a:srgbClr val="000000"/>
-                </a:solidFill>
-                <a:latin typeface="Calibri"/>
+                <a:latin typeface="Arial"/>
               </a:rPr>
               <a:t>Sixth Outline Level</a:t>
             </a:r>
             <a:endParaRPr b="0" lang="en-US" sz="2000" spc="-1" strike="noStrike">
-              <a:solidFill>
-                <a:srgbClr val="000000"/>
-              </a:solidFill>
-              <a:latin typeface="Calibri"/>
+              <a:latin typeface="Arial"/>
             </a:endParaRPr>
           </a:p>
           <a:p>
             <a:pPr lvl="6" marL="3024000" indent="-216000">
-              <a:lnSpc>
-                <a:spcPct val="90000"/>
-              </a:lnSpc>
               <a:spcBef>
                 <a:spcPts val="283"/>
               </a:spcBef>
@@ -3036,18 +2678,12 @@
             </a:pPr>
             <a:r>
               <a:rPr b="0" lang="en-US" sz="2000" spc="-1" strike="noStrike">
-                <a:solidFill>
-                  <a:srgbClr val="000000"/>
-                </a:solidFill>
-                <a:latin typeface="Calibri"/>
+                <a:latin typeface="Arial"/>
               </a:rPr>
               <a:t>Seventh Outline Level</a:t>
             </a:r>
             <a:endParaRPr b="0" lang="en-US" sz="2000" spc="-1" strike="noStrike">
-              <a:solidFill>
-                <a:srgbClr val="000000"/>
-              </a:solidFill>
-              <a:latin typeface="Calibri"/>
+              <a:latin typeface="Arial"/>
             </a:endParaRPr>
           </a:p>
         </p:txBody>
@@ -3098,7 +2734,7 @@
         <p:spPr>
           <a:xfrm>
             <a:off x="2373480" y="1207080"/>
-            <a:ext cx="9318600" cy="5125320"/>
+            <a:ext cx="9318240" cy="5124960"/>
           </a:xfrm>
           <a:prstGeom prst="rect">
             <a:avLst/>
@@ -3134,7 +2770,7 @@
         <p:spPr>
           <a:xfrm>
             <a:off x="2889000" y="829080"/>
-            <a:ext cx="1011240" cy="516960"/>
+            <a:ext cx="1010880" cy="516600"/>
           </a:xfrm>
           <a:prstGeom prst="rect">
             <a:avLst/>
@@ -3169,6 +2805,7 @@
                   <a:srgbClr val="1f4e79"/>
                 </a:solidFill>
                 <a:latin typeface="Calibri"/>
+                <a:ea typeface="DejaVu Sans"/>
               </a:rPr>
               <a:t>SIM</a:t>
             </a:r>
@@ -3187,7 +2824,7 @@
         <p:spPr>
           <a:xfrm>
             <a:off x="243360" y="2879280"/>
-            <a:ext cx="2655360" cy="360"/>
+            <a:ext cx="2655000" cy="360"/>
           </a:xfrm>
           <a:custGeom>
             <a:avLst/>
@@ -3208,9 +2845,7 @@
           <a:noFill/>
           <a:ln w="34925">
             <a:solidFill>
-              <a:srgbClr val="5b9bd5">
-                <a:lumMod val="50000"/>
-              </a:srgbClr>
+              <a:srgbClr val="1f4e79"/>
             </a:solidFill>
             <a:tailEnd len="med" type="triangle" w="med"/>
           </a:ln>
@@ -3237,13 +2872,13 @@
         <p:spPr>
           <a:xfrm>
             <a:off x="2889000" y="2519280"/>
-            <a:ext cx="3152520" cy="762480"/>
-          </a:xfrm>
-          <a:prstGeom prst="rect">
-            <a:avLst/>
-          </a:prstGeom>
-          <a:noFill/>
-          <a:ln w="25400">
+            <a:ext cx="3152160" cy="762120"/>
+          </a:xfrm>
+          <a:prstGeom prst="rect">
+            <a:avLst/>
+          </a:prstGeom>
+          <a:noFill/>
+          <a:ln>
             <a:solidFill>
               <a:srgbClr val="43729d"/>
             </a:solidFill>
@@ -3280,6 +2915,7 @@
                   <a:srgbClr val="1f4e79"/>
                 </a:solidFill>
                 <a:latin typeface="Calibri"/>
+                <a:ea typeface="DejaVu Sans"/>
               </a:rPr>
               <a:t>Human Behaviour Analysis</a:t>
             </a:r>
@@ -3300,6 +2936,7 @@
                   <a:srgbClr val="1f4e79"/>
                 </a:solidFill>
                 <a:latin typeface="Calibri"/>
+                <a:ea typeface="DejaVu Sans"/>
               </a:rPr>
               <a:t>Interface</a:t>
             </a:r>
@@ -3318,13 +2955,13 @@
         <p:spPr>
           <a:xfrm>
             <a:off x="2894040" y="3642120"/>
-            <a:ext cx="3147840" cy="567000"/>
-          </a:xfrm>
-          <a:prstGeom prst="rect">
-            <a:avLst/>
-          </a:prstGeom>
-          <a:noFill/>
-          <a:ln w="25400">
+            <a:ext cx="3147480" cy="566640"/>
+          </a:xfrm>
+          <a:prstGeom prst="rect">
+            <a:avLst/>
+          </a:prstGeom>
+          <a:noFill/>
+          <a:ln>
             <a:solidFill>
               <a:srgbClr val="43729d"/>
             </a:solidFill>
@@ -3361,6 +2998,7 @@
                   <a:srgbClr val="1f4e79"/>
                 </a:solidFill>
                 <a:latin typeface="Calibri"/>
+                <a:ea typeface="DejaVu Sans"/>
               </a:rPr>
               <a:t>Worker Movement Analysis Interface</a:t>
             </a:r>
@@ -3379,7 +3017,7 @@
         <p:spPr>
           <a:xfrm>
             <a:off x="-163080" y="2564640"/>
-            <a:ext cx="2237040" cy="913320"/>
+            <a:ext cx="2236680" cy="912960"/>
           </a:xfrm>
           <a:prstGeom prst="rect">
             <a:avLst/>
@@ -3414,6 +3052,7 @@
                   <a:srgbClr val="1f4e79"/>
                 </a:solidFill>
                 <a:latin typeface="Calibri"/>
+                <a:ea typeface="DejaVu Sans"/>
               </a:rPr>
               <a:t>from</a:t>
             </a:r>
@@ -3423,6 +3062,7 @@
                   <a:srgbClr val="1f4e79"/>
                 </a:solidFill>
                 <a:latin typeface="Calibri"/>
+                <a:ea typeface="DejaVu Sans"/>
               </a:rPr>
               <a:t> Human Behaviour analysis T5.3</a:t>
             </a:r>
@@ -3441,7 +3081,7 @@
         <p:spPr>
           <a:xfrm>
             <a:off x="233640" y="3909240"/>
-            <a:ext cx="2655360" cy="360"/>
+            <a:ext cx="2655000" cy="360"/>
           </a:xfrm>
           <a:custGeom>
             <a:avLst/>
@@ -3462,9 +3102,7 @@
           <a:noFill/>
           <a:ln w="34925">
             <a:solidFill>
-              <a:srgbClr val="5b9bd5">
-                <a:lumMod val="50000"/>
-              </a:srgbClr>
+              <a:srgbClr val="1f4e79"/>
             </a:solidFill>
             <a:tailEnd len="med" type="triangle" w="med"/>
           </a:ln>
@@ -3491,7 +3129,7 @@
         <p:spPr>
           <a:xfrm>
             <a:off x="-53640" y="3580200"/>
-            <a:ext cx="2032560" cy="851400"/>
+            <a:ext cx="2032200" cy="851400"/>
           </a:xfrm>
           <a:prstGeom prst="rect">
             <a:avLst/>
@@ -3526,6 +3164,7 @@
                   <a:srgbClr val="1f4e79"/>
                 </a:solidFill>
                 <a:latin typeface="Calibri"/>
+                <a:ea typeface="DejaVu Sans"/>
               </a:rPr>
               <a:t>from </a:t>
             </a:r>
@@ -3535,6 +3174,7 @@
                   <a:srgbClr val="1f4e79"/>
                 </a:solidFill>
                 <a:latin typeface="Calibri"/>
+                <a:ea typeface="DejaVu Sans"/>
               </a:rPr>
               <a:t>Neuromorphic Sensing T6.2</a:t>
             </a:r>
@@ -3553,13 +3193,13 @@
         <p:spPr>
           <a:xfrm>
             <a:off x="2879280" y="4705560"/>
-            <a:ext cx="3461400" cy="554400"/>
-          </a:xfrm>
-          <a:prstGeom prst="rect">
-            <a:avLst/>
-          </a:prstGeom>
-          <a:noFill/>
-          <a:ln w="25400">
+            <a:ext cx="3461040" cy="554040"/>
+          </a:xfrm>
+          <a:prstGeom prst="rect">
+            <a:avLst/>
+          </a:prstGeom>
+          <a:noFill/>
+          <a:ln>
             <a:solidFill>
               <a:srgbClr val="43729d"/>
             </a:solidFill>
@@ -3596,6 +3236,7 @@
                   <a:srgbClr val="1f4e79"/>
                 </a:solidFill>
                 <a:latin typeface="Calibri"/>
+                <a:ea typeface="DejaVu Sans"/>
               </a:rPr>
               <a:t>Human State </a:t>
             </a:r>
@@ -3616,6 +3257,7 @@
                   <a:srgbClr val="1f4e79"/>
                 </a:solidFill>
                 <a:latin typeface="Calibri"/>
+                <a:ea typeface="DejaVu Sans"/>
               </a:rPr>
               <a:t>Analysis Interface</a:t>
             </a:r>
@@ -3634,7 +3276,7 @@
         <p:spPr>
           <a:xfrm>
             <a:off x="1352160" y="4985280"/>
-            <a:ext cx="1536480" cy="360"/>
+            <a:ext cx="1536120" cy="360"/>
           </a:xfrm>
           <a:custGeom>
             <a:avLst/>
@@ -3655,9 +3297,7 @@
           <a:noFill/>
           <a:ln w="34925">
             <a:solidFill>
-              <a:srgbClr val="5b9bd5">
-                <a:lumMod val="50000"/>
-              </a:srgbClr>
+              <a:srgbClr val="1f4e79"/>
             </a:solidFill>
             <a:tailEnd len="med" type="triangle" w="med"/>
           </a:ln>
@@ -3684,7 +3324,7 @@
         <p:spPr>
           <a:xfrm>
             <a:off x="92520" y="4577040"/>
-            <a:ext cx="1932840" cy="639000"/>
+            <a:ext cx="1932480" cy="638640"/>
           </a:xfrm>
           <a:prstGeom prst="rect">
             <a:avLst/>
@@ -3719,6 +3359,7 @@
                   <a:srgbClr val="1f4e79"/>
                 </a:solidFill>
                 <a:latin typeface="Calibri"/>
+                <a:ea typeface="DejaVu Sans"/>
               </a:rPr>
               <a:t>from </a:t>
             </a:r>
@@ -3728,6 +3369,7 @@
                   <a:srgbClr val="1f4e79"/>
                 </a:solidFill>
                 <a:latin typeface="Calibri"/>
+                <a:ea typeface="DejaVu Sans"/>
               </a:rPr>
               <a:t>Fatigue analysis T6.2</a:t>
             </a:r>
@@ -3746,13 +3388,13 @@
         <p:spPr>
           <a:xfrm>
             <a:off x="2898720" y="5554800"/>
-            <a:ext cx="3441960" cy="554400"/>
-          </a:xfrm>
-          <a:prstGeom prst="rect">
-            <a:avLst/>
-          </a:prstGeom>
-          <a:noFill/>
-          <a:ln w="25400">
+            <a:ext cx="3441600" cy="554040"/>
+          </a:xfrm>
+          <a:prstGeom prst="rect">
+            <a:avLst/>
+          </a:prstGeom>
+          <a:noFill/>
+          <a:ln>
             <a:solidFill>
               <a:srgbClr val="43729d"/>
             </a:solidFill>
@@ -3789,6 +3431,7 @@
                   <a:srgbClr val="1f4e79"/>
                 </a:solidFill>
                 <a:latin typeface="Calibri"/>
+                <a:ea typeface="DejaVu Sans"/>
               </a:rPr>
               <a:t>Human Body Gesture Interface</a:t>
             </a:r>
@@ -3807,7 +3450,7 @@
         <p:spPr>
           <a:xfrm>
             <a:off x="1371600" y="5834520"/>
-            <a:ext cx="1536480" cy="360"/>
+            <a:ext cx="1536120" cy="360"/>
           </a:xfrm>
           <a:custGeom>
             <a:avLst/>
@@ -3828,9 +3471,7 @@
           <a:noFill/>
           <a:ln w="34925">
             <a:solidFill>
-              <a:srgbClr val="5b9bd5">
-                <a:lumMod val="50000"/>
-              </a:srgbClr>
+              <a:srgbClr val="1f4e79"/>
             </a:solidFill>
             <a:tailEnd len="med" type="triangle" w="med"/>
           </a:ln>
@@ -3857,7 +3498,7 @@
         <p:spPr>
           <a:xfrm>
             <a:off x="262800" y="5463000"/>
-            <a:ext cx="1811520" cy="1186920"/>
+            <a:ext cx="1811160" cy="1186920"/>
           </a:xfrm>
           <a:prstGeom prst="rect">
             <a:avLst/>
@@ -3892,6 +3533,7 @@
                   <a:srgbClr val="1f4e79"/>
                 </a:solidFill>
                 <a:latin typeface="Calibri"/>
+                <a:ea typeface="DejaVu Sans"/>
               </a:rPr>
               <a:t>from </a:t>
             </a:r>
@@ -3901,6 +3543,7 @@
                   <a:srgbClr val="1f4e79"/>
                 </a:solidFill>
                 <a:latin typeface="Calibri"/>
+                <a:ea typeface="DejaVu Sans"/>
               </a:rPr>
               <a:t>non-verbal communication T4.7 </a:t>
             </a:r>
@@ -3919,13 +3562,13 @@
         <p:spPr>
           <a:xfrm>
             <a:off x="2827080" y="1735200"/>
-            <a:ext cx="3214800" cy="554400"/>
-          </a:xfrm>
-          <a:prstGeom prst="rect">
-            <a:avLst/>
-          </a:prstGeom>
-          <a:noFill/>
-          <a:ln w="25400">
+            <a:ext cx="3214440" cy="554040"/>
+          </a:xfrm>
+          <a:prstGeom prst="rect">
+            <a:avLst/>
+          </a:prstGeom>
+          <a:noFill/>
+          <a:ln>
             <a:solidFill>
               <a:srgbClr val="43729d"/>
             </a:solidFill>
@@ -3962,6 +3605,7 @@
                   <a:srgbClr val="1f4e79"/>
                 </a:solidFill>
                 <a:latin typeface="Calibri"/>
+                <a:ea typeface="DejaVu Sans"/>
               </a:rPr>
               <a:t>Human Grasping Strategies Interface</a:t>
             </a:r>
@@ -3980,7 +3624,7 @@
         <p:spPr>
           <a:xfrm>
             <a:off x="1299960" y="2014920"/>
-            <a:ext cx="1536480" cy="360"/>
+            <a:ext cx="1536120" cy="360"/>
           </a:xfrm>
           <a:custGeom>
             <a:avLst/>
@@ -4001,9 +3645,7 @@
           <a:noFill/>
           <a:ln w="34925">
             <a:solidFill>
-              <a:srgbClr val="5b9bd5">
-                <a:lumMod val="50000"/>
-              </a:srgbClr>
+              <a:srgbClr val="1f4e79"/>
             </a:solidFill>
             <a:tailEnd len="med" type="triangle" w="med"/>
           </a:ln>
@@ -4030,7 +3672,7 @@
         <p:spPr>
           <a:xfrm>
             <a:off x="102240" y="1673280"/>
-            <a:ext cx="1932840" cy="912600"/>
+            <a:ext cx="1932480" cy="912600"/>
           </a:xfrm>
           <a:prstGeom prst="rect">
             <a:avLst/>
@@ -4065,6 +3707,7 @@
                   <a:srgbClr val="1f4e79"/>
                 </a:solidFill>
                 <a:latin typeface="Calibri"/>
+                <a:ea typeface="DejaVu Sans"/>
               </a:rPr>
               <a:t>from</a:t>
             </a:r>
@@ -4074,6 +3717,7 @@
                   <a:srgbClr val="1f4e79"/>
                 </a:solidFill>
                 <a:latin typeface="Calibri"/>
+                <a:ea typeface="DejaVu Sans"/>
               </a:rPr>
               <a:t> Grasping Strategies T6.7 </a:t>
             </a:r>
@@ -4092,13 +3736,13 @@
         <p:spPr>
           <a:xfrm>
             <a:off x="6737040" y="1673280"/>
-            <a:ext cx="1439280" cy="2403360"/>
-          </a:xfrm>
-          <a:prstGeom prst="rect">
-            <a:avLst/>
-          </a:prstGeom>
-          <a:noFill/>
-          <a:ln w="25400">
+            <a:ext cx="1438920" cy="2403000"/>
+          </a:xfrm>
+          <a:prstGeom prst="rect">
+            <a:avLst/>
+          </a:prstGeom>
+          <a:noFill/>
+          <a:ln>
             <a:solidFill>
               <a:srgbClr val="43729d"/>
             </a:solidFill>
@@ -4135,6 +3779,7 @@
                   <a:srgbClr val="1f4e79"/>
                 </a:solidFill>
                 <a:latin typeface="Calibri"/>
+                <a:ea typeface="DejaVu Sans"/>
               </a:rPr>
               <a:t>Human Behaviour</a:t>
             </a:r>
@@ -4155,6 +3800,7 @@
                   <a:srgbClr val="1f4e79"/>
                 </a:solidFill>
                 <a:latin typeface="Calibri"/>
+                <a:ea typeface="DejaVu Sans"/>
               </a:rPr>
               <a:t>Integrator </a:t>
             </a:r>
@@ -4173,7 +3819,7 @@
         <p:spPr>
           <a:xfrm>
             <a:off x="6042240" y="1996560"/>
-            <a:ext cx="694440" cy="360"/>
+            <a:ext cx="694080" cy="360"/>
           </a:xfrm>
           <a:custGeom>
             <a:avLst/>
@@ -4194,9 +3840,7 @@
           <a:noFill/>
           <a:ln w="34925">
             <a:solidFill>
-              <a:srgbClr val="5b9bd5">
-                <a:lumMod val="50000"/>
-              </a:srgbClr>
+              <a:srgbClr val="1f4e79"/>
             </a:solidFill>
             <a:tailEnd len="med" type="triangle" w="med"/>
           </a:ln>
@@ -4223,7 +3867,7 @@
         <p:spPr>
           <a:xfrm>
             <a:off x="6056640" y="2887920"/>
-            <a:ext cx="694440" cy="360"/>
+            <a:ext cx="694080" cy="360"/>
           </a:xfrm>
           <a:custGeom>
             <a:avLst/>
@@ -4244,9 +3888,7 @@
           <a:noFill/>
           <a:ln w="34925">
             <a:solidFill>
-              <a:srgbClr val="5b9bd5">
-                <a:lumMod val="50000"/>
-              </a:srgbClr>
+              <a:srgbClr val="1f4e79"/>
             </a:solidFill>
             <a:tailEnd len="med" type="triangle" w="med"/>
           </a:ln>
@@ -4273,7 +3915,7 @@
         <p:spPr>
           <a:xfrm>
             <a:off x="6042240" y="3925800"/>
-            <a:ext cx="694440" cy="360"/>
+            <a:ext cx="694080" cy="360"/>
           </a:xfrm>
           <a:custGeom>
             <a:avLst/>
@@ -4294,9 +3936,7 @@
           <a:noFill/>
           <a:ln w="34925">
             <a:solidFill>
-              <a:srgbClr val="5b9bd5">
-                <a:lumMod val="50000"/>
-              </a:srgbClr>
+              <a:srgbClr val="1f4e79"/>
             </a:solidFill>
             <a:tailEnd len="med" type="triangle" w="med"/>
           </a:ln>
@@ -4323,7 +3963,7 @@
         <p:spPr>
           <a:xfrm>
             <a:off x="8176680" y="2875320"/>
-            <a:ext cx="1150200" cy="3600"/>
+            <a:ext cx="1149840" cy="3240"/>
           </a:xfrm>
           <a:custGeom>
             <a:avLst/>
@@ -4344,9 +3984,7 @@
           <a:noFill/>
           <a:ln w="34925">
             <a:solidFill>
-              <a:srgbClr val="5b9bd5">
-                <a:lumMod val="50000"/>
-              </a:srgbClr>
+              <a:srgbClr val="1f4e79"/>
             </a:solidFill>
             <a:tailEnd len="med" type="triangle" w="med"/>
           </a:ln>
@@ -4373,7 +4011,7 @@
         <p:spPr>
           <a:xfrm>
             <a:off x="8218800" y="1897920"/>
-            <a:ext cx="990720" cy="1461240"/>
+            <a:ext cx="990360" cy="1461240"/>
           </a:xfrm>
           <a:prstGeom prst="rect">
             <a:avLst/>
@@ -4406,6 +4044,7 @@
                   <a:srgbClr val="1f4e79"/>
                 </a:solidFill>
                 <a:latin typeface="Calibri"/>
+                <a:ea typeface="DejaVu Sans"/>
               </a:rPr>
               <a:t>Action Goal &amp; Style</a:t>
             </a:r>
@@ -4424,7 +4063,7 @@
         <p:spPr>
           <a:xfrm>
             <a:off x="2659680" y="1468440"/>
-            <a:ext cx="3681000" cy="2917080"/>
+            <a:ext cx="3680640" cy="2916720"/>
           </a:xfrm>
           <a:prstGeom prst="flowChartProcess">
             <a:avLst/>
@@ -4465,7 +4104,7 @@
         <p:spPr>
           <a:xfrm>
             <a:off x="9327240" y="1995840"/>
-            <a:ext cx="1766160" cy="1766160"/>
+            <a:ext cx="1765800" cy="1765800"/>
           </a:xfrm>
           <a:prstGeom prst="ellipse">
             <a:avLst/>
@@ -4512,6 +4151,7 @@
                   <a:srgbClr val="ffffff"/>
                 </a:solidFill>
                 <a:latin typeface="Calibri"/>
+                <a:ea typeface="DejaVu Sans"/>
               </a:rPr>
               <a:t>Social Interaction Engine</a:t>
             </a:r>
@@ -4552,7 +4192,7 @@
         <p:spPr>
           <a:xfrm>
             <a:off x="11077560" y="2879280"/>
-            <a:ext cx="1229760" cy="360"/>
+            <a:ext cx="1229400" cy="360"/>
           </a:xfrm>
           <a:custGeom>
             <a:avLst/>
@@ -4573,9 +4213,7 @@
           <a:noFill/>
           <a:ln w="34925">
             <a:solidFill>
-              <a:srgbClr val="5b9bd5">
-                <a:lumMod val="50000"/>
-              </a:srgbClr>
+              <a:srgbClr val="1f4e79"/>
             </a:solidFill>
             <a:tailEnd len="med" type="triangle" w="med"/>
           </a:ln>
@@ -4602,7 +4240,7 @@
         <p:spPr>
           <a:xfrm>
             <a:off x="10977480" y="2509920"/>
-            <a:ext cx="1373040" cy="364680"/>
+            <a:ext cx="1373040" cy="364320"/>
           </a:xfrm>
           <a:prstGeom prst="rect">
             <a:avLst/>
@@ -4635,6 +4273,7 @@
                   <a:srgbClr val="1f4e79"/>
                 </a:solidFill>
                 <a:latin typeface="Calibri"/>
+                <a:ea typeface="DejaVu Sans"/>
               </a:rPr>
               <a:t> </a:t>
             </a:r>
@@ -4644,6 +4283,7 @@
                   <a:srgbClr val="1f4e79"/>
                 </a:solidFill>
                 <a:latin typeface="Calibri"/>
+                <a:ea typeface="DejaVu Sans"/>
               </a:rPr>
               <a:t>to</a:t>
             </a:r>
@@ -4653,6 +4293,7 @@
                   <a:srgbClr val="1f4e79"/>
                 </a:solidFill>
                 <a:latin typeface="Calibri"/>
+                <a:ea typeface="DejaVu Sans"/>
               </a:rPr>
               <a:t> HICEM</a:t>
             </a:r>
@@ -4671,7 +4312,7 @@
         <p:spPr>
           <a:xfrm>
             <a:off x="4182120" y="1122840"/>
-            <a:ext cx="2552400" cy="364680"/>
+            <a:ext cx="2552040" cy="364320"/>
           </a:xfrm>
           <a:prstGeom prst="rect">
             <a:avLst/>
@@ -4704,6 +4345,7 @@
                   <a:srgbClr val="1f4e79"/>
                 </a:solidFill>
                 <a:latin typeface="Calibri"/>
+                <a:ea typeface="DejaVu Sans"/>
               </a:rPr>
               <a:t>Perception - what</a:t>
             </a:r>
@@ -4722,7 +4364,7 @@
         <p:spPr>
           <a:xfrm>
             <a:off x="4261320" y="4355280"/>
-            <a:ext cx="2498400" cy="364680"/>
+            <a:ext cx="2498040" cy="364320"/>
           </a:xfrm>
           <a:prstGeom prst="rect">
             <a:avLst/>
@@ -4755,6 +4397,7 @@
                   <a:srgbClr val="1f4e79"/>
                 </a:solidFill>
                 <a:latin typeface="Calibri"/>
+                <a:ea typeface="DejaVu Sans"/>
               </a:rPr>
               <a:t>Perception - how</a:t>
             </a:r>
@@ -4773,7 +4416,7 @@
         <p:spPr>
           <a:xfrm>
             <a:off x="4640760" y="5210280"/>
-            <a:ext cx="1901880" cy="638280"/>
+            <a:ext cx="1901520" cy="638280"/>
           </a:xfrm>
           <a:prstGeom prst="rect">
             <a:avLst/>
@@ -4806,6 +4449,7 @@
                   <a:srgbClr val="1f4e79"/>
                 </a:solidFill>
                 <a:latin typeface="Calibri"/>
+                <a:ea typeface="DejaVu Sans"/>
               </a:rPr>
               <a:t>communication</a:t>
             </a:r>
@@ -4823,8 +4467,8 @@
         </p:nvSpPr>
         <p:spPr>
           <a:xfrm flipV="1">
-            <a:off x="6341040" y="3846600"/>
-            <a:ext cx="3868920" cy="1985040"/>
+            <a:off x="6341040" y="3845880"/>
+            <a:ext cx="3868560" cy="1984680"/>
           </a:xfrm>
           <a:prstGeom prst="bentConnector2">
             <a:avLst/>
@@ -4832,9 +4476,7 @@
           <a:noFill/>
           <a:ln w="38100">
             <a:solidFill>
-              <a:srgbClr val="5b9bd5">
-                <a:lumMod val="50000"/>
-              </a:srgbClr>
+              <a:srgbClr val="1f4e79"/>
             </a:solidFill>
             <a:tailEnd len="med" type="triangle" w="med"/>
           </a:ln>
@@ -4860,8 +4502,8 @@
         </p:nvSpPr>
         <p:spPr>
           <a:xfrm flipV="1">
-            <a:off x="6351120" y="2874600"/>
-            <a:ext cx="2900880" cy="2127600"/>
+            <a:off x="6351120" y="2873520"/>
+            <a:ext cx="2900520" cy="2127240"/>
           </a:xfrm>
           <a:prstGeom prst="bentConnector3">
             <a:avLst>
@@ -4871,9 +4513,7 @@
           <a:noFill/>
           <a:ln w="38100">
             <a:solidFill>
-              <a:srgbClr val="5b9bd5">
-                <a:lumMod val="50000"/>
-              </a:srgbClr>
+              <a:srgbClr val="1f4e79"/>
             </a:solidFill>
             <a:tailEnd len="med" type="triangle" w="med"/>
           </a:ln>
@@ -4900,7 +4540,7 @@
         <p:spPr>
           <a:xfrm>
             <a:off x="8882640" y="4960800"/>
-            <a:ext cx="2655360" cy="1327680"/>
+            <a:ext cx="2655000" cy="1327320"/>
           </a:xfrm>
           <a:prstGeom prst="diamond">
             <a:avLst/>
@@ -4945,6 +4585,7 @@
                   <a:srgbClr val="ffffff"/>
                 </a:solidFill>
                 <a:latin typeface="Calibri"/>
+                <a:ea typeface="DejaVu Sans"/>
               </a:rPr>
               <a:t>Communication</a:t>
             </a:r>
@@ -4954,6 +4595,7 @@
                   <a:srgbClr val="ffffff"/>
                 </a:solidFill>
                 <a:latin typeface="Calibri"/>
+                <a:ea typeface="DejaVu Sans"/>
               </a:rPr>
               <a:t>?</a:t>
             </a:r>
@@ -4972,7 +4614,7 @@
         <p:spPr>
           <a:xfrm>
             <a:off x="9252000" y="2781000"/>
-            <a:ext cx="188280" cy="188280"/>
+            <a:ext cx="187920" cy="187920"/>
           </a:xfrm>
           <a:prstGeom prst="ellipse">
             <a:avLst/>
@@ -5012,7 +4654,7 @@
         <p:spPr>
           <a:xfrm>
             <a:off x="10116360" y="3657960"/>
-            <a:ext cx="188280" cy="188280"/>
+            <a:ext cx="187920" cy="187920"/>
           </a:xfrm>
           <a:prstGeom prst="ellipse">
             <a:avLst/>
@@ -5052,7 +4694,7 @@
         <p:spPr>
           <a:xfrm>
             <a:off x="9584640" y="3684600"/>
-            <a:ext cx="2552400" cy="455400"/>
+            <a:ext cx="2552040" cy="455040"/>
           </a:xfrm>
           <a:prstGeom prst="rect">
             <a:avLst/>
@@ -5085,6 +4727,7 @@
                   <a:srgbClr val="1f4e79"/>
                 </a:solidFill>
                 <a:latin typeface="Calibri"/>
+                <a:ea typeface="DejaVu Sans"/>
               </a:rPr>
               <a:t>Communication</a:t>
             </a:r>
@@ -5105,6 +4748,7 @@
                   <a:srgbClr val="1f4e79"/>
                 </a:solidFill>
                 <a:latin typeface="Calibri"/>
+                <a:ea typeface="DejaVu Sans"/>
               </a:rPr>
               <a:t> </a:t>
             </a:r>
@@ -5114,6 +4758,7 @@
                   <a:srgbClr val="1f4e79"/>
                 </a:solidFill>
                 <a:latin typeface="Calibri"/>
+                <a:ea typeface="DejaVu Sans"/>
               </a:rPr>
               <a:t>Front-end</a:t>
             </a:r>
@@ -5131,8 +4776,8 @@
         </p:nvSpPr>
         <p:spPr>
           <a:xfrm rot="16200000">
-            <a:off x="8072280" y="1761840"/>
-            <a:ext cx="2552400" cy="455400"/>
+            <a:off x="8072280" y="1762200"/>
+            <a:ext cx="2552040" cy="455040"/>
           </a:xfrm>
           <a:prstGeom prst="rect">
             <a:avLst/>
@@ -5165,6 +4810,7 @@
                   <a:srgbClr val="1f4e79"/>
                 </a:solidFill>
                 <a:latin typeface="Calibri"/>
+                <a:ea typeface="DejaVu Sans"/>
               </a:rPr>
               <a:t>Perception</a:t>
             </a:r>
@@ -5185,6 +4831,7 @@
                   <a:srgbClr val="1f4e79"/>
                 </a:solidFill>
                 <a:latin typeface="Calibri"/>
+                <a:ea typeface="DejaVu Sans"/>
               </a:rPr>
               <a:t> </a:t>
             </a:r>
@@ -5194,6 +4841,7 @@
                   <a:srgbClr val="1f4e79"/>
                 </a:solidFill>
                 <a:latin typeface="Calibri"/>
+                <a:ea typeface="DejaVu Sans"/>
               </a:rPr>
               <a:t>Front-end</a:t>
             </a:r>
@@ -5212,7 +4860,7 @@
         <p:spPr>
           <a:xfrm>
             <a:off x="10210680" y="3138840"/>
-            <a:ext cx="443880" cy="443880"/>
+            <a:ext cx="443520" cy="443520"/>
           </a:xfrm>
           <a:prstGeom prst="donut">
             <a:avLst>
@@ -5252,7 +4900,7 @@
         <p:spPr>
           <a:xfrm>
             <a:off x="10101240" y="3210120"/>
-            <a:ext cx="330480" cy="200520"/>
+            <a:ext cx="330120" cy="200160"/>
           </a:xfrm>
           <a:prstGeom prst="triangle">
             <a:avLst>
@@ -5292,7 +4940,7 @@
         <p:spPr>
           <a:xfrm>
             <a:off x="9415800" y="2901240"/>
-            <a:ext cx="2552400" cy="272880"/>
+            <a:ext cx="2552040" cy="272520"/>
           </a:xfrm>
           <a:prstGeom prst="rect">
             <a:avLst/>
@@ -5325,6 +4973,7 @@
                   <a:srgbClr val="2e75b6"/>
                 </a:solidFill>
                 <a:latin typeface="Calibri"/>
+                <a:ea typeface="DejaVu Sans"/>
               </a:rPr>
               <a:t>dynamic</a:t>
             </a:r>
@@ -5343,7 +4992,7 @@
         <p:spPr>
           <a:xfrm>
             <a:off x="10485000" y="1294560"/>
-            <a:ext cx="1110600" cy="613440"/>
+            <a:ext cx="1110240" cy="613080"/>
           </a:xfrm>
           <a:prstGeom prst="flowChartMagneticDrum">
             <a:avLst/>
@@ -5388,6 +5037,7 @@
                   <a:srgbClr val="ffffff"/>
                 </a:solidFill>
                 <a:latin typeface="Calibri"/>
+                <a:ea typeface="DejaVu Sans"/>
               </a:rPr>
               <a:t>Social requir</a:t>
             </a:r>
@@ -5405,8 +5055,8 @@
         </p:nvSpPr>
         <p:spPr>
           <a:xfrm flipV="1" rot="10800000">
-            <a:off x="10210680" y="1600920"/>
-            <a:ext cx="274320" cy="394200"/>
+            <a:off x="10211040" y="1601280"/>
+            <a:ext cx="273960" cy="393840"/>
           </a:xfrm>
           <a:prstGeom prst="bentConnector2">
             <a:avLst/>
@@ -5414,9 +5064,7 @@
           <a:noFill/>
           <a:ln w="38100">
             <a:solidFill>
-              <a:srgbClr val="5b9bd5">
-                <a:lumMod val="50000"/>
-              </a:srgbClr>
+              <a:srgbClr val="1f4e79"/>
             </a:solidFill>
             <a:tailEnd len="med" type="triangle" w="med"/>
           </a:ln>
@@ -5443,7 +5091,7 @@
         <p:spPr>
           <a:xfrm>
             <a:off x="11032560" y="1031040"/>
-            <a:ext cx="7560" cy="263160"/>
+            <a:ext cx="7200" cy="262800"/>
           </a:xfrm>
           <a:custGeom>
             <a:avLst/>
@@ -5464,9 +5112,7 @@
           <a:noFill/>
           <a:ln w="34925">
             <a:solidFill>
-              <a:srgbClr val="5b9bd5">
-                <a:lumMod val="50000"/>
-              </a:srgbClr>
+              <a:srgbClr val="1f4e79"/>
             </a:solidFill>
             <a:tailEnd len="med" type="triangle" w="med"/>
           </a:ln>
@@ -5493,7 +5139,7 @@
         <p:spPr>
           <a:xfrm>
             <a:off x="10614600" y="715680"/>
-            <a:ext cx="836280" cy="364680"/>
+            <a:ext cx="836280" cy="364320"/>
           </a:xfrm>
           <a:prstGeom prst="rect">
             <a:avLst/>
@@ -5526,6 +5172,7 @@
                   <a:srgbClr val="1f4e79"/>
                 </a:solidFill>
                 <a:latin typeface="Calibri"/>
+                <a:ea typeface="DejaVu Sans"/>
               </a:rPr>
               <a:t> </a:t>
             </a:r>
@@ -5535,6 +5182,7 @@
                   <a:srgbClr val="1f4e79"/>
                 </a:solidFill>
                 <a:latin typeface="Calibri"/>
+                <a:ea typeface="DejaVu Sans"/>
               </a:rPr>
               <a:t>WP2</a:t>
             </a:r>
@@ -5583,7 +5231,7 @@
         <p:spPr>
           <a:xfrm>
             <a:off x="2373480" y="1012320"/>
-            <a:ext cx="9318600" cy="5319720"/>
+            <a:ext cx="9318240" cy="5319360"/>
           </a:xfrm>
           <a:prstGeom prst="rect">
             <a:avLst/>
@@ -5619,7 +5267,7 @@
         <p:spPr>
           <a:xfrm>
             <a:off x="2514600" y="605880"/>
-            <a:ext cx="4002120" cy="516960"/>
+            <a:ext cx="4001760" cy="516600"/>
           </a:xfrm>
           <a:prstGeom prst="rect">
             <a:avLst/>
@@ -5654,6 +5302,7 @@
                   <a:srgbClr val="1f4e79"/>
                 </a:solidFill>
                 <a:latin typeface="Calibri"/>
+                <a:ea typeface="DejaVu Sans"/>
               </a:rPr>
               <a:t>SIM_PACKAGE</a:t>
             </a:r>
@@ -5671,8 +5320,8 @@
         </p:nvSpPr>
         <p:spPr>
           <a:xfrm flipV="1">
-            <a:off x="-58320" y="2878920"/>
-            <a:ext cx="2957040" cy="20880"/>
+            <a:off x="-58320" y="2877840"/>
+            <a:ext cx="2956680" cy="20520"/>
           </a:xfrm>
           <a:custGeom>
             <a:avLst/>
@@ -5693,9 +5342,7 @@
           <a:noFill/>
           <a:ln w="34925">
             <a:solidFill>
-              <a:srgbClr val="5b9bd5">
-                <a:lumMod val="50000"/>
-              </a:srgbClr>
+              <a:srgbClr val="1f4e79"/>
             </a:solidFill>
             <a:tailEnd len="med" type="triangle" w="med"/>
           </a:ln>
@@ -5722,13 +5369,13 @@
         <p:spPr>
           <a:xfrm>
             <a:off x="2889000" y="2519280"/>
-            <a:ext cx="3152520" cy="762480"/>
-          </a:xfrm>
-          <a:prstGeom prst="rect">
-            <a:avLst/>
-          </a:prstGeom>
-          <a:noFill/>
-          <a:ln w="25400">
+            <a:ext cx="3152160" cy="762120"/>
+          </a:xfrm>
+          <a:prstGeom prst="rect">
+            <a:avLst/>
+          </a:prstGeom>
+          <a:noFill/>
+          <a:ln>
             <a:solidFill>
               <a:srgbClr val="43729d"/>
             </a:solidFill>
@@ -5765,6 +5412,7 @@
                   <a:srgbClr val="1f4e79"/>
                 </a:solidFill>
                 <a:latin typeface="Calibri"/>
+                <a:ea typeface="DejaVu Sans"/>
               </a:rPr>
               <a:t>Human Behaviour Analysis</a:t>
             </a:r>
@@ -5785,6 +5433,7 @@
                   <a:srgbClr val="1f4e79"/>
                 </a:solidFill>
                 <a:latin typeface="Calibri"/>
+                <a:ea typeface="DejaVu Sans"/>
               </a:rPr>
               <a:t>Interface</a:t>
             </a:r>
@@ -5803,13 +5452,13 @@
         <p:spPr>
           <a:xfrm>
             <a:off x="2894040" y="3642120"/>
-            <a:ext cx="3147840" cy="567000"/>
-          </a:xfrm>
-          <a:prstGeom prst="rect">
-            <a:avLst/>
-          </a:prstGeom>
-          <a:noFill/>
-          <a:ln w="25400">
+            <a:ext cx="3147480" cy="566640"/>
+          </a:xfrm>
+          <a:prstGeom prst="rect">
+            <a:avLst/>
+          </a:prstGeom>
+          <a:noFill/>
+          <a:ln>
             <a:solidFill>
               <a:srgbClr val="43729d"/>
             </a:solidFill>
@@ -5846,6 +5495,7 @@
                   <a:srgbClr val="1f4e79"/>
                 </a:solidFill>
                 <a:latin typeface="Calibri"/>
+                <a:ea typeface="DejaVu Sans"/>
               </a:rPr>
               <a:t>Worker Movement Analysis Interface</a:t>
             </a:r>
@@ -5864,7 +5514,7 @@
         <p:spPr>
           <a:xfrm>
             <a:off x="-2295720" y="2439000"/>
-            <a:ext cx="2237040" cy="913320"/>
+            <a:ext cx="2236680" cy="912960"/>
           </a:xfrm>
           <a:prstGeom prst="rect">
             <a:avLst/>
@@ -5899,6 +5549,7 @@
                   <a:srgbClr val="1f4e79"/>
                 </a:solidFill>
                 <a:latin typeface="Calibri"/>
+                <a:ea typeface="DejaVu Sans"/>
               </a:rPr>
               <a:t>from</a:t>
             </a:r>
@@ -5908,6 +5559,7 @@
                   <a:srgbClr val="1f4e79"/>
                 </a:solidFill>
                 <a:latin typeface="Calibri"/>
+                <a:ea typeface="DejaVu Sans"/>
               </a:rPr>
               <a:t> Human Behaviour analysis T5.3</a:t>
             </a:r>
@@ -5926,7 +5578,7 @@
         <p:spPr>
           <a:xfrm>
             <a:off x="233640" y="3909240"/>
-            <a:ext cx="2655360" cy="360"/>
+            <a:ext cx="2655000" cy="360"/>
           </a:xfrm>
           <a:custGeom>
             <a:avLst/>
@@ -5947,9 +5599,7 @@
           <a:noFill/>
           <a:ln w="34925">
             <a:solidFill>
-              <a:srgbClr val="5b9bd5">
-                <a:lumMod val="50000"/>
-              </a:srgbClr>
+              <a:srgbClr val="1f4e79"/>
             </a:solidFill>
             <a:tailEnd len="med" type="triangle" w="med"/>
           </a:ln>
@@ -5976,7 +5626,7 @@
         <p:spPr>
           <a:xfrm>
             <a:off x="199080" y="3137760"/>
-            <a:ext cx="2032560" cy="1187640"/>
+            <a:ext cx="2032200" cy="1187280"/>
           </a:xfrm>
           <a:prstGeom prst="rect">
             <a:avLst/>
@@ -5986,9 +5636,7 @@
           </a:solidFill>
           <a:ln w="38100">
             <a:solidFill>
-              <a:srgbClr val="5b9bd5">
-                <a:shade val="50000"/>
-              </a:srgbClr>
+              <a:srgbClr val="43729d"/>
             </a:solidFill>
             <a:round/>
           </a:ln>
@@ -6027,6 +5675,7 @@
                   <a:srgbClr val="1f4e79"/>
                 </a:solidFill>
                 <a:latin typeface="Calibri"/>
+                <a:ea typeface="DejaVu Sans"/>
               </a:rPr>
               <a:t>Neuromorphic Sensing T6.2</a:t>
             </a:r>
@@ -6056,13 +5705,13 @@
         <p:spPr>
           <a:xfrm>
             <a:off x="2879280" y="4705560"/>
-            <a:ext cx="3461400" cy="554400"/>
-          </a:xfrm>
-          <a:prstGeom prst="rect">
-            <a:avLst/>
-          </a:prstGeom>
-          <a:noFill/>
-          <a:ln w="25400">
+            <a:ext cx="3461040" cy="554040"/>
+          </a:xfrm>
+          <a:prstGeom prst="rect">
+            <a:avLst/>
+          </a:prstGeom>
+          <a:noFill/>
+          <a:ln>
             <a:solidFill>
               <a:srgbClr val="43729d"/>
             </a:solidFill>
@@ -6099,6 +5748,7 @@
                   <a:srgbClr val="1f4e79"/>
                 </a:solidFill>
                 <a:latin typeface="Calibri"/>
+                <a:ea typeface="DejaVu Sans"/>
               </a:rPr>
               <a:t>Human State </a:t>
             </a:r>
@@ -6119,6 +5769,7 @@
                   <a:srgbClr val="1f4e79"/>
                 </a:solidFill>
                 <a:latin typeface="Calibri"/>
+                <a:ea typeface="DejaVu Sans"/>
               </a:rPr>
               <a:t>Analysis Interface</a:t>
             </a:r>
@@ -6137,7 +5788,7 @@
         <p:spPr>
           <a:xfrm>
             <a:off x="1352160" y="4985280"/>
-            <a:ext cx="1536480" cy="360"/>
+            <a:ext cx="1536120" cy="360"/>
           </a:xfrm>
           <a:custGeom>
             <a:avLst/>
@@ -6158,9 +5809,7 @@
           <a:noFill/>
           <a:ln w="34925">
             <a:solidFill>
-              <a:srgbClr val="5b9bd5">
-                <a:lumMod val="50000"/>
-              </a:srgbClr>
+              <a:srgbClr val="1f4e79"/>
             </a:solidFill>
             <a:tailEnd len="med" type="triangle" w="med"/>
           </a:ln>
@@ -6187,7 +5836,7 @@
         <p:spPr>
           <a:xfrm>
             <a:off x="254880" y="4588200"/>
-            <a:ext cx="1932840" cy="639000"/>
+            <a:ext cx="1932480" cy="638640"/>
           </a:xfrm>
           <a:prstGeom prst="rect">
             <a:avLst/>
@@ -6197,9 +5846,7 @@
           </a:solidFill>
           <a:ln w="38100">
             <a:solidFill>
-              <a:srgbClr val="5b9bd5">
-                <a:shade val="50000"/>
-              </a:srgbClr>
+              <a:srgbClr val="43729d"/>
             </a:solidFill>
             <a:round/>
           </a:ln>
@@ -6227,6 +5874,7 @@
                   <a:srgbClr val="1f4e79"/>
                 </a:solidFill>
                 <a:latin typeface="Calibri"/>
+                <a:ea typeface="DejaVu Sans"/>
               </a:rPr>
               <a:t>Fatigue analysis T6.2</a:t>
             </a:r>
@@ -6245,13 +5893,13 @@
         <p:spPr>
           <a:xfrm>
             <a:off x="2898720" y="5554800"/>
-            <a:ext cx="3441960" cy="554400"/>
-          </a:xfrm>
-          <a:prstGeom prst="rect">
-            <a:avLst/>
-          </a:prstGeom>
-          <a:noFill/>
-          <a:ln w="25400">
+            <a:ext cx="3441600" cy="554040"/>
+          </a:xfrm>
+          <a:prstGeom prst="rect">
+            <a:avLst/>
+          </a:prstGeom>
+          <a:noFill/>
+          <a:ln>
             <a:solidFill>
               <a:srgbClr val="43729d"/>
             </a:solidFill>
@@ -6288,6 +5936,7 @@
                   <a:srgbClr val="1f4e79"/>
                 </a:solidFill>
                 <a:latin typeface="Calibri"/>
+                <a:ea typeface="DejaVu Sans"/>
               </a:rPr>
               <a:t>Human Body Gesture Interface</a:t>
             </a:r>
@@ -6306,7 +5955,7 @@
         <p:spPr>
           <a:xfrm>
             <a:off x="-420840" y="5827320"/>
-            <a:ext cx="3328920" cy="6840"/>
+            <a:ext cx="3328560" cy="6480"/>
           </a:xfrm>
           <a:custGeom>
             <a:avLst/>
@@ -6327,9 +5976,7 @@
           <a:noFill/>
           <a:ln w="34925">
             <a:solidFill>
-              <a:srgbClr val="5b9bd5">
-                <a:lumMod val="50000"/>
-              </a:srgbClr>
+              <a:srgbClr val="1f4e79"/>
             </a:solidFill>
             <a:tailEnd len="med" type="triangle" w="med"/>
           </a:ln>
@@ -6356,7 +6003,7 @@
         <p:spPr>
           <a:xfrm>
             <a:off x="-2232360" y="5365440"/>
-            <a:ext cx="1811520" cy="1186920"/>
+            <a:ext cx="1811160" cy="1186920"/>
           </a:xfrm>
           <a:prstGeom prst="rect">
             <a:avLst/>
@@ -6391,6 +6038,7 @@
                   <a:srgbClr val="1f4e79"/>
                 </a:solidFill>
                 <a:latin typeface="Calibri"/>
+                <a:ea typeface="DejaVu Sans"/>
               </a:rPr>
               <a:t>from </a:t>
             </a:r>
@@ -6400,6 +6048,7 @@
                   <a:srgbClr val="1f4e79"/>
                 </a:solidFill>
                 <a:latin typeface="Calibri"/>
+                <a:ea typeface="DejaVu Sans"/>
               </a:rPr>
               <a:t>non-verbal communication T4.7 </a:t>
             </a:r>
@@ -6418,13 +6067,13 @@
         <p:spPr>
           <a:xfrm>
             <a:off x="2827080" y="1735200"/>
-            <a:ext cx="3214800" cy="554400"/>
-          </a:xfrm>
-          <a:prstGeom prst="rect">
-            <a:avLst/>
-          </a:prstGeom>
-          <a:noFill/>
-          <a:ln w="25400">
+            <a:ext cx="3214440" cy="554040"/>
+          </a:xfrm>
+          <a:prstGeom prst="rect">
+            <a:avLst/>
+          </a:prstGeom>
+          <a:noFill/>
+          <a:ln>
             <a:solidFill>
               <a:srgbClr val="43729d"/>
             </a:solidFill>
@@ -6461,6 +6110,7 @@
                   <a:srgbClr val="1f4e79"/>
                 </a:solidFill>
                 <a:latin typeface="Calibri"/>
+                <a:ea typeface="DejaVu Sans"/>
               </a:rPr>
               <a:t>Human Grasping Strategies Interface</a:t>
             </a:r>
@@ -6479,7 +6129,7 @@
         <p:spPr>
           <a:xfrm>
             <a:off x="1992600" y="1864440"/>
-            <a:ext cx="828720" cy="360"/>
+            <a:ext cx="828360" cy="360"/>
           </a:xfrm>
           <a:custGeom>
             <a:avLst/>
@@ -6500,9 +6150,7 @@
           <a:noFill/>
           <a:ln w="34925">
             <a:solidFill>
-              <a:srgbClr val="5b9bd5">
-                <a:lumMod val="50000"/>
-              </a:srgbClr>
+              <a:srgbClr val="1f4e79"/>
             </a:solidFill>
             <a:tailEnd len="med" type="triangle" w="med"/>
           </a:ln>
@@ -6529,7 +6177,7 @@
         <p:spPr>
           <a:xfrm>
             <a:off x="131760" y="1144080"/>
-            <a:ext cx="1932840" cy="912600"/>
+            <a:ext cx="1932480" cy="912600"/>
           </a:xfrm>
           <a:prstGeom prst="rect">
             <a:avLst/>
@@ -6564,6 +6212,7 @@
                   <a:srgbClr val="1f4e79"/>
                 </a:solidFill>
                 <a:latin typeface="Calibri"/>
+                <a:ea typeface="DejaVu Sans"/>
               </a:rPr>
               <a:t>Grasping Strategies T6.7 </a:t>
             </a:r>
@@ -6582,13 +6231,13 @@
         <p:spPr>
           <a:xfrm>
             <a:off x="6737040" y="1673280"/>
-            <a:ext cx="1439280" cy="2403360"/>
-          </a:xfrm>
-          <a:prstGeom prst="rect">
-            <a:avLst/>
-          </a:prstGeom>
-          <a:noFill/>
-          <a:ln w="25400">
+            <a:ext cx="1438920" cy="2403000"/>
+          </a:xfrm>
+          <a:prstGeom prst="rect">
+            <a:avLst/>
+          </a:prstGeom>
+          <a:noFill/>
+          <a:ln>
             <a:solidFill>
               <a:srgbClr val="43729d"/>
             </a:solidFill>
@@ -6625,6 +6274,7 @@
                   <a:srgbClr val="1f4e79"/>
                 </a:solidFill>
                 <a:latin typeface="Calibri"/>
+                <a:ea typeface="DejaVu Sans"/>
               </a:rPr>
               <a:t>Human Behaviour</a:t>
             </a:r>
@@ -6645,6 +6295,7 @@
                   <a:srgbClr val="1f4e79"/>
                 </a:solidFill>
                 <a:latin typeface="Calibri"/>
+                <a:ea typeface="DejaVu Sans"/>
               </a:rPr>
               <a:t>Integrator </a:t>
             </a:r>
@@ -6663,7 +6314,7 @@
         <p:spPr>
           <a:xfrm>
             <a:off x="6042240" y="1996560"/>
-            <a:ext cx="694440" cy="360"/>
+            <a:ext cx="694080" cy="360"/>
           </a:xfrm>
           <a:custGeom>
             <a:avLst/>
@@ -6684,9 +6335,7 @@
           <a:noFill/>
           <a:ln w="34925">
             <a:solidFill>
-              <a:srgbClr val="5b9bd5">
-                <a:lumMod val="50000"/>
-              </a:srgbClr>
+              <a:srgbClr val="1f4e79"/>
             </a:solidFill>
             <a:tailEnd len="med" type="triangle" w="med"/>
           </a:ln>
@@ -6713,7 +6362,7 @@
         <p:spPr>
           <a:xfrm>
             <a:off x="6056640" y="2887920"/>
-            <a:ext cx="694440" cy="360"/>
+            <a:ext cx="694080" cy="360"/>
           </a:xfrm>
           <a:custGeom>
             <a:avLst/>
@@ -6734,9 +6383,7 @@
           <a:noFill/>
           <a:ln w="34925">
             <a:solidFill>
-              <a:srgbClr val="5b9bd5">
-                <a:lumMod val="50000"/>
-              </a:srgbClr>
+              <a:srgbClr val="1f4e79"/>
             </a:solidFill>
             <a:tailEnd len="med" type="triangle" w="med"/>
           </a:ln>
@@ -6763,7 +6410,7 @@
         <p:spPr>
           <a:xfrm>
             <a:off x="6042240" y="3925800"/>
-            <a:ext cx="694440" cy="360"/>
+            <a:ext cx="694080" cy="360"/>
           </a:xfrm>
           <a:custGeom>
             <a:avLst/>
@@ -6784,9 +6431,7 @@
           <a:noFill/>
           <a:ln w="34925">
             <a:solidFill>
-              <a:srgbClr val="5b9bd5">
-                <a:lumMod val="50000"/>
-              </a:srgbClr>
+              <a:srgbClr val="1f4e79"/>
             </a:solidFill>
             <a:tailEnd len="med" type="triangle" w="med"/>
           </a:ln>
@@ -6813,7 +6458,7 @@
         <p:spPr>
           <a:xfrm>
             <a:off x="8176680" y="2875320"/>
-            <a:ext cx="1150200" cy="3600"/>
+            <a:ext cx="1149840" cy="3240"/>
           </a:xfrm>
           <a:custGeom>
             <a:avLst/>
@@ -6834,9 +6479,7 @@
           <a:noFill/>
           <a:ln w="34925">
             <a:solidFill>
-              <a:srgbClr val="5b9bd5">
-                <a:lumMod val="50000"/>
-              </a:srgbClr>
+              <a:srgbClr val="1f4e79"/>
             </a:solidFill>
             <a:tailEnd len="med" type="triangle" w="med"/>
           </a:ln>
@@ -6862,8 +6505,8 @@
         </p:nvSpPr>
         <p:spPr>
           <a:xfrm>
-            <a:off x="8218800" y="1897920"/>
-            <a:ext cx="990720" cy="1461240"/>
+            <a:off x="8143560" y="1897920"/>
+            <a:ext cx="1108440" cy="913320"/>
           </a:xfrm>
           <a:prstGeom prst="rect">
             <a:avLst/>
@@ -6896,6 +6539,7 @@
                   <a:srgbClr val="1f4e79"/>
                 </a:solidFill>
                 <a:latin typeface="Calibri"/>
+                <a:ea typeface="DejaVu Sans"/>
               </a:rPr>
               <a:t>Action Goal &amp; Style</a:t>
             </a:r>
@@ -6914,7 +6558,7 @@
         <p:spPr>
           <a:xfrm>
             <a:off x="2659680" y="1568880"/>
-            <a:ext cx="3681000" cy="2817000"/>
+            <a:ext cx="3680640" cy="2816640"/>
           </a:xfrm>
           <a:prstGeom prst="flowChartProcess">
             <a:avLst/>
@@ -6955,7 +6599,7 @@
         <p:spPr>
           <a:xfrm>
             <a:off x="9327240" y="1995840"/>
-            <a:ext cx="1766160" cy="1766160"/>
+            <a:ext cx="1765800" cy="1765800"/>
           </a:xfrm>
           <a:prstGeom prst="ellipse">
             <a:avLst/>
@@ -7002,6 +6646,7 @@
                   <a:srgbClr val="ffffff"/>
                 </a:solidFill>
                 <a:latin typeface="Calibri"/>
+                <a:ea typeface="DejaVu Sans"/>
               </a:rPr>
               <a:t>Social Interaction Engine</a:t>
             </a:r>
@@ -7042,7 +6687,7 @@
         <p:spPr>
           <a:xfrm>
             <a:off x="11077560" y="2879280"/>
-            <a:ext cx="1229760" cy="360"/>
+            <a:ext cx="1229400" cy="360"/>
           </a:xfrm>
           <a:custGeom>
             <a:avLst/>
@@ -7063,9 +6708,7 @@
           <a:noFill/>
           <a:ln w="34925">
             <a:solidFill>
-              <a:srgbClr val="5b9bd5">
-                <a:lumMod val="50000"/>
-              </a:srgbClr>
+              <a:srgbClr val="1f4e79"/>
             </a:solidFill>
             <a:tailEnd len="med" type="triangle" w="med"/>
           </a:ln>
@@ -7092,7 +6735,7 @@
         <p:spPr>
           <a:xfrm>
             <a:off x="10977480" y="2509920"/>
-            <a:ext cx="1373040" cy="364680"/>
+            <a:ext cx="1373040" cy="364320"/>
           </a:xfrm>
           <a:prstGeom prst="rect">
             <a:avLst/>
@@ -7125,6 +6768,7 @@
                   <a:srgbClr val="1f4e79"/>
                 </a:solidFill>
                 <a:latin typeface="Calibri"/>
+                <a:ea typeface="DejaVu Sans"/>
               </a:rPr>
               <a:t> </a:t>
             </a:r>
@@ -7134,6 +6778,7 @@
                   <a:srgbClr val="1f4e79"/>
                 </a:solidFill>
                 <a:latin typeface="Calibri"/>
+                <a:ea typeface="DejaVu Sans"/>
               </a:rPr>
               <a:t>to</a:t>
             </a:r>
@@ -7143,6 +6788,7 @@
                   <a:srgbClr val="1f4e79"/>
                 </a:solidFill>
                 <a:latin typeface="Calibri"/>
+                <a:ea typeface="DejaVu Sans"/>
               </a:rPr>
               <a:t> HICEM</a:t>
             </a:r>
@@ -7161,7 +6807,7 @@
         <p:spPr>
           <a:xfrm>
             <a:off x="4182120" y="1122840"/>
-            <a:ext cx="2552400" cy="364680"/>
+            <a:ext cx="2552040" cy="364320"/>
           </a:xfrm>
           <a:prstGeom prst="rect">
             <a:avLst/>
@@ -7194,6 +6840,7 @@
                   <a:srgbClr val="1f4e79"/>
                 </a:solidFill>
                 <a:latin typeface="Calibri"/>
+                <a:ea typeface="DejaVu Sans"/>
               </a:rPr>
               <a:t>Perception - what</a:t>
             </a:r>
@@ -7212,7 +6859,7 @@
         <p:spPr>
           <a:xfrm>
             <a:off x="4261320" y="4355280"/>
-            <a:ext cx="2498400" cy="364680"/>
+            <a:ext cx="2498040" cy="364320"/>
           </a:xfrm>
           <a:prstGeom prst="rect">
             <a:avLst/>
@@ -7245,6 +6892,7 @@
                   <a:srgbClr val="1f4e79"/>
                 </a:solidFill>
                 <a:latin typeface="Calibri"/>
+                <a:ea typeface="DejaVu Sans"/>
               </a:rPr>
               <a:t>Perception - how</a:t>
             </a:r>
@@ -7263,7 +6911,7 @@
         <p:spPr>
           <a:xfrm>
             <a:off x="4640760" y="5210280"/>
-            <a:ext cx="1901880" cy="638280"/>
+            <a:ext cx="2445840" cy="364680"/>
           </a:xfrm>
           <a:prstGeom prst="rect">
             <a:avLst/>
@@ -7296,6 +6944,7 @@
                   <a:srgbClr val="1f4e79"/>
                 </a:solidFill>
                 <a:latin typeface="Calibri"/>
+                <a:ea typeface="DejaVu Sans"/>
               </a:rPr>
               <a:t>Communication</a:t>
             </a:r>
@@ -7313,8 +6962,8 @@
         </p:nvSpPr>
         <p:spPr>
           <a:xfrm flipV="1">
-            <a:off x="6341040" y="3846600"/>
-            <a:ext cx="3868920" cy="1985040"/>
+            <a:off x="6341040" y="3845880"/>
+            <a:ext cx="3868560" cy="1984680"/>
           </a:xfrm>
           <a:prstGeom prst="bentConnector2">
             <a:avLst/>
@@ -7322,9 +6971,7 @@
           <a:noFill/>
           <a:ln w="38100">
             <a:solidFill>
-              <a:srgbClr val="5b9bd5">
-                <a:lumMod val="50000"/>
-              </a:srgbClr>
+              <a:srgbClr val="1f4e79"/>
             </a:solidFill>
             <a:tailEnd len="med" type="triangle" w="med"/>
           </a:ln>
@@ -7350,8 +6997,8 @@
         </p:nvSpPr>
         <p:spPr>
           <a:xfrm flipV="1">
-            <a:off x="6351120" y="2874600"/>
-            <a:ext cx="2900880" cy="2127600"/>
+            <a:off x="6351120" y="2873520"/>
+            <a:ext cx="2900520" cy="2127240"/>
           </a:xfrm>
           <a:prstGeom prst="bentConnector3">
             <a:avLst>
@@ -7361,9 +7008,7 @@
           <a:noFill/>
           <a:ln w="38100">
             <a:solidFill>
-              <a:srgbClr val="5b9bd5">
-                <a:lumMod val="50000"/>
-              </a:srgbClr>
+              <a:srgbClr val="1f4e79"/>
             </a:solidFill>
             <a:tailEnd len="med" type="triangle" w="med"/>
           </a:ln>
@@ -7390,7 +7035,7 @@
         <p:spPr>
           <a:xfrm>
             <a:off x="8882640" y="4960800"/>
-            <a:ext cx="2655360" cy="1327680"/>
+            <a:ext cx="2655000" cy="1327320"/>
           </a:xfrm>
           <a:prstGeom prst="diamond">
             <a:avLst/>
@@ -7435,6 +7080,7 @@
                   <a:srgbClr val="ffffff"/>
                 </a:solidFill>
                 <a:latin typeface="Calibri"/>
+                <a:ea typeface="DejaVu Sans"/>
               </a:rPr>
               <a:t>Communication</a:t>
             </a:r>
@@ -7444,6 +7090,7 @@
                   <a:srgbClr val="ffffff"/>
                 </a:solidFill>
                 <a:latin typeface="Calibri"/>
+                <a:ea typeface="DejaVu Sans"/>
               </a:rPr>
               <a:t>?</a:t>
             </a:r>
@@ -7462,7 +7109,7 @@
         <p:spPr>
           <a:xfrm>
             <a:off x="9252000" y="2781000"/>
-            <a:ext cx="188280" cy="188280"/>
+            <a:ext cx="187920" cy="187920"/>
           </a:xfrm>
           <a:prstGeom prst="ellipse">
             <a:avLst/>
@@ -7502,7 +7149,7 @@
         <p:spPr>
           <a:xfrm>
             <a:off x="10116360" y="3657960"/>
-            <a:ext cx="188280" cy="188280"/>
+            <a:ext cx="187920" cy="187920"/>
           </a:xfrm>
           <a:prstGeom prst="ellipse">
             <a:avLst/>
@@ -7542,7 +7189,7 @@
         <p:spPr>
           <a:xfrm>
             <a:off x="9584640" y="3684600"/>
-            <a:ext cx="2552400" cy="455400"/>
+            <a:ext cx="2552040" cy="455040"/>
           </a:xfrm>
           <a:prstGeom prst="rect">
             <a:avLst/>
@@ -7575,6 +7222,7 @@
                   <a:srgbClr val="1f4e79"/>
                 </a:solidFill>
                 <a:latin typeface="Calibri"/>
+                <a:ea typeface="DejaVu Sans"/>
               </a:rPr>
               <a:t>Communication</a:t>
             </a:r>
@@ -7595,6 +7243,7 @@
                   <a:srgbClr val="1f4e79"/>
                 </a:solidFill>
                 <a:latin typeface="Calibri"/>
+                <a:ea typeface="DejaVu Sans"/>
               </a:rPr>
               <a:t> </a:t>
             </a:r>
@@ -7604,6 +7253,7 @@
                   <a:srgbClr val="1f4e79"/>
                 </a:solidFill>
                 <a:latin typeface="Calibri"/>
+                <a:ea typeface="DejaVu Sans"/>
               </a:rPr>
               <a:t>Front-end</a:t>
             </a:r>
@@ -7621,8 +7271,8 @@
         </p:nvSpPr>
         <p:spPr>
           <a:xfrm rot="16200000">
-            <a:off x="8072280" y="1761840"/>
-            <a:ext cx="2552400" cy="455400"/>
+            <a:off x="8072280" y="1762200"/>
+            <a:ext cx="2552040" cy="455040"/>
           </a:xfrm>
           <a:prstGeom prst="rect">
             <a:avLst/>
@@ -7655,6 +7305,7 @@
                   <a:srgbClr val="1f4e79"/>
                 </a:solidFill>
                 <a:latin typeface="Calibri"/>
+                <a:ea typeface="DejaVu Sans"/>
               </a:rPr>
               <a:t>Perception</a:t>
             </a:r>
@@ -7675,6 +7326,7 @@
                   <a:srgbClr val="1f4e79"/>
                 </a:solidFill>
                 <a:latin typeface="Calibri"/>
+                <a:ea typeface="DejaVu Sans"/>
               </a:rPr>
               <a:t> </a:t>
             </a:r>
@@ -7684,6 +7336,7 @@
                   <a:srgbClr val="1f4e79"/>
                 </a:solidFill>
                 <a:latin typeface="Calibri"/>
+                <a:ea typeface="DejaVu Sans"/>
               </a:rPr>
               <a:t>Front-end</a:t>
             </a:r>
@@ -7702,7 +7355,7 @@
         <p:spPr>
           <a:xfrm>
             <a:off x="10210680" y="3138840"/>
-            <a:ext cx="443880" cy="443880"/>
+            <a:ext cx="443520" cy="443520"/>
           </a:xfrm>
           <a:prstGeom prst="donut">
             <a:avLst>
@@ -7742,7 +7395,7 @@
         <p:spPr>
           <a:xfrm>
             <a:off x="10101240" y="3210120"/>
-            <a:ext cx="330480" cy="200520"/>
+            <a:ext cx="330120" cy="200160"/>
           </a:xfrm>
           <a:prstGeom prst="triangle">
             <a:avLst>
@@ -7782,7 +7435,7 @@
         <p:spPr>
           <a:xfrm>
             <a:off x="9415800" y="2901240"/>
-            <a:ext cx="2552400" cy="272880"/>
+            <a:ext cx="2552040" cy="272520"/>
           </a:xfrm>
           <a:prstGeom prst="rect">
             <a:avLst/>
@@ -7815,6 +7468,7 @@
                   <a:srgbClr val="2e75b6"/>
                 </a:solidFill>
                 <a:latin typeface="Calibri"/>
+                <a:ea typeface="DejaVu Sans"/>
               </a:rPr>
               <a:t>dynamic</a:t>
             </a:r>
@@ -7833,7 +7487,7 @@
         <p:spPr>
           <a:xfrm>
             <a:off x="10485000" y="1294560"/>
-            <a:ext cx="1110600" cy="613440"/>
+            <a:ext cx="1110240" cy="613080"/>
           </a:xfrm>
           <a:prstGeom prst="flowChartMagneticDrum">
             <a:avLst/>
@@ -7878,6 +7532,7 @@
                   <a:srgbClr val="ffffff"/>
                 </a:solidFill>
                 <a:latin typeface="Calibri"/>
+                <a:ea typeface="DejaVu Sans"/>
               </a:rPr>
               <a:t>Social requir</a:t>
             </a:r>
@@ -7895,8 +7550,8 @@
         </p:nvSpPr>
         <p:spPr>
           <a:xfrm flipV="1" rot="10800000">
-            <a:off x="10210680" y="1600920"/>
-            <a:ext cx="274320" cy="394200"/>
+            <a:off x="10211040" y="1601280"/>
+            <a:ext cx="273960" cy="393840"/>
           </a:xfrm>
           <a:prstGeom prst="bentConnector2">
             <a:avLst/>
@@ -7904,9 +7559,7 @@
           <a:noFill/>
           <a:ln w="38100">
             <a:solidFill>
-              <a:srgbClr val="5b9bd5">
-                <a:lumMod val="50000"/>
-              </a:srgbClr>
+              <a:srgbClr val="1f4e79"/>
             </a:solidFill>
             <a:tailEnd len="med" type="triangle" w="med"/>
           </a:ln>
@@ -7933,7 +7586,7 @@
         <p:spPr>
           <a:xfrm>
             <a:off x="11032560" y="1031040"/>
-            <a:ext cx="7560" cy="263160"/>
+            <a:ext cx="7200" cy="262800"/>
           </a:xfrm>
           <a:custGeom>
             <a:avLst/>
@@ -7954,9 +7607,7 @@
           <a:noFill/>
           <a:ln w="34925">
             <a:solidFill>
-              <a:srgbClr val="5b9bd5">
-                <a:lumMod val="50000"/>
-              </a:srgbClr>
+              <a:srgbClr val="1f4e79"/>
             </a:solidFill>
             <a:tailEnd len="med" type="triangle" w="med"/>
           </a:ln>
@@ -7983,7 +7634,7 @@
         <p:spPr>
           <a:xfrm>
             <a:off x="10614600" y="715680"/>
-            <a:ext cx="836280" cy="364680"/>
+            <a:ext cx="836280" cy="364320"/>
           </a:xfrm>
           <a:prstGeom prst="rect">
             <a:avLst/>
@@ -8016,6 +7667,7 @@
                   <a:srgbClr val="1f4e79"/>
                 </a:solidFill>
                 <a:latin typeface="Calibri"/>
+                <a:ea typeface="DejaVu Sans"/>
               </a:rPr>
               <a:t> </a:t>
             </a:r>
@@ -8025,6 +7677,7 @@
                   <a:srgbClr val="1f4e79"/>
                 </a:solidFill>
                 <a:latin typeface="Calibri"/>
+                <a:ea typeface="DejaVu Sans"/>
               </a:rPr>
               <a:t>WP2</a:t>
             </a:r>
@@ -8043,7 +7696,7 @@
         <p:spPr>
           <a:xfrm>
             <a:off x="108360" y="176400"/>
-            <a:ext cx="11859840" cy="6528600"/>
+            <a:ext cx="11859480" cy="6528240"/>
           </a:xfrm>
           <a:prstGeom prst="rect">
             <a:avLst/>
@@ -8080,7 +7733,7 @@
         <p:spPr>
           <a:xfrm>
             <a:off x="267480" y="1012320"/>
-            <a:ext cx="1724760" cy="1703520"/>
+            <a:ext cx="1724400" cy="1703160"/>
           </a:xfrm>
           <a:prstGeom prst="rect">
             <a:avLst/>
@@ -8116,7 +7769,7 @@
         <p:spPr>
           <a:xfrm>
             <a:off x="267480" y="685800"/>
-            <a:ext cx="1842840" cy="333720"/>
+            <a:ext cx="1842480" cy="333360"/>
           </a:xfrm>
           <a:prstGeom prst="rect">
             <a:avLst/>
@@ -8151,6 +7804,7 @@
                   <a:srgbClr val="1f4e79"/>
                 </a:solidFill>
                 <a:latin typeface="Calibri"/>
+                <a:ea typeface="DejaVu Sans"/>
               </a:rPr>
               <a:t>GRASP_PCKG</a:t>
             </a:r>
@@ -8168,8 +7822,8 @@
         </p:nvSpPr>
         <p:spPr>
           <a:xfrm rot="10800000">
-            <a:off x="1987200" y="1441080"/>
-            <a:ext cx="4069800" cy="2467800"/>
+            <a:off x="1987560" y="1441080"/>
+            <a:ext cx="4069440" cy="2467440"/>
           </a:xfrm>
           <a:prstGeom prst="bentConnector3">
             <a:avLst>
@@ -8179,9 +7833,7 @@
           <a:noFill/>
           <a:ln w="38100">
             <a:solidFill>
-              <a:srgbClr val="5b9bd5">
-                <a:lumMod val="50000"/>
-              </a:srgbClr>
+              <a:srgbClr val="1f4e79"/>
             </a:solidFill>
             <a:tailEnd len="med" type="triangle" w="med"/>
           </a:ln>
@@ -8208,7 +7860,7 @@
         <p:spPr>
           <a:xfrm>
             <a:off x="254880" y="4347000"/>
-            <a:ext cx="1932840" cy="333720"/>
+            <a:ext cx="1932480" cy="333360"/>
           </a:xfrm>
           <a:prstGeom prst="rect">
             <a:avLst/>
@@ -8253,6 +7905,7 @@
                   <a:srgbClr val="1f4e79"/>
                 </a:solidFill>
                 <a:latin typeface="Calibri"/>
+                <a:ea typeface="DejaVu Sans"/>
               </a:rPr>
               <a:t>PCKG</a:t>
             </a:r>
@@ -8271,7 +7924,7 @@
         <p:spPr>
           <a:xfrm>
             <a:off x="318600" y="0"/>
-            <a:ext cx="7225200" cy="516960"/>
+            <a:ext cx="7224840" cy="516600"/>
           </a:xfrm>
           <a:prstGeom prst="rect">
             <a:avLst/>
@@ -8306,6 +7959,7 @@
                   <a:srgbClr val="1f4e79"/>
                 </a:solidFill>
                 <a:latin typeface="Calibri"/>
+                <a:ea typeface="DejaVu Sans"/>
               </a:rPr>
               <a:t>SIM_DOCKER / WORKSPACE</a:t>
             </a:r>
@@ -8324,7 +7978,7 @@
         <p:spPr>
           <a:xfrm>
             <a:off x="280800" y="2971800"/>
-            <a:ext cx="1548000" cy="333720"/>
+            <a:ext cx="1547640" cy="333360"/>
           </a:xfrm>
           <a:prstGeom prst="rect">
             <a:avLst/>
@@ -8369,6 +8023,7 @@
                   <a:srgbClr val="1f4e79"/>
                 </a:solidFill>
                 <a:latin typeface="Calibri"/>
+                <a:ea typeface="DejaVu Sans"/>
               </a:rPr>
               <a:t>PCKG</a:t>
             </a:r>
@@ -8417,7 +8072,7 @@
         <p:spPr>
           <a:xfrm>
             <a:off x="2659680" y="1673280"/>
-            <a:ext cx="3681000" cy="2712600"/>
+            <a:ext cx="3680640" cy="2712240"/>
           </a:xfrm>
           <a:prstGeom prst="flowChartProcess">
             <a:avLst/>
@@ -8458,7 +8113,7 @@
         <p:spPr>
           <a:xfrm>
             <a:off x="2373480" y="1207080"/>
-            <a:ext cx="9318600" cy="5125320"/>
+            <a:ext cx="9318240" cy="5124960"/>
           </a:xfrm>
           <a:prstGeom prst="rect">
             <a:avLst/>
@@ -8494,7 +8149,7 @@
         <p:spPr>
           <a:xfrm>
             <a:off x="2898720" y="849240"/>
-            <a:ext cx="1011240" cy="942840"/>
+            <a:ext cx="1010880" cy="942840"/>
           </a:xfrm>
           <a:prstGeom prst="rect">
             <a:avLst/>
@@ -8529,6 +8184,7 @@
                   <a:srgbClr val="1f4e79"/>
                 </a:solidFill>
                 <a:latin typeface="Calibri"/>
+                <a:ea typeface="DejaVu Sans"/>
               </a:rPr>
               <a:t>SEM</a:t>
             </a:r>
@@ -8547,7 +8203,7 @@
         <p:spPr>
           <a:xfrm>
             <a:off x="243360" y="2879280"/>
-            <a:ext cx="2655360" cy="360"/>
+            <a:ext cx="2655000" cy="360"/>
           </a:xfrm>
           <a:custGeom>
             <a:avLst/>
@@ -8568,9 +8224,7 @@
           <a:noFill/>
           <a:ln w="34925">
             <a:solidFill>
-              <a:srgbClr val="5b9bd5">
-                <a:lumMod val="50000"/>
-              </a:srgbClr>
+              <a:srgbClr val="1f4e79"/>
             </a:solidFill>
             <a:tailEnd len="med" type="triangle" w="med"/>
           </a:ln>
@@ -8597,13 +8251,13 @@
         <p:spPr>
           <a:xfrm>
             <a:off x="2889000" y="2519280"/>
-            <a:ext cx="3152520" cy="762480"/>
-          </a:xfrm>
-          <a:prstGeom prst="rect">
-            <a:avLst/>
-          </a:prstGeom>
-          <a:noFill/>
-          <a:ln w="25400">
+            <a:ext cx="3152160" cy="762120"/>
+          </a:xfrm>
+          <a:prstGeom prst="rect">
+            <a:avLst/>
+          </a:prstGeom>
+          <a:noFill/>
+          <a:ln>
             <a:solidFill>
               <a:srgbClr val="43729d"/>
             </a:solidFill>
@@ -8640,6 +8294,7 @@
                   <a:srgbClr val="1f4e79"/>
                 </a:solidFill>
                 <a:latin typeface="Calibri"/>
+                <a:ea typeface="DejaVu Sans"/>
               </a:rPr>
               <a:t>Human Postural Analysis</a:t>
             </a:r>
@@ -8660,6 +8315,7 @@
                   <a:srgbClr val="1f4e79"/>
                 </a:solidFill>
                 <a:latin typeface="Calibri"/>
+                <a:ea typeface="DejaVu Sans"/>
               </a:rPr>
               <a:t>Interface</a:t>
             </a:r>
@@ -8678,13 +8334,13 @@
         <p:spPr>
           <a:xfrm>
             <a:off x="2894040" y="3642120"/>
-            <a:ext cx="3147840" cy="567000"/>
-          </a:xfrm>
-          <a:prstGeom prst="rect">
-            <a:avLst/>
-          </a:prstGeom>
-          <a:noFill/>
-          <a:ln w="25400">
+            <a:ext cx="3147480" cy="566640"/>
+          </a:xfrm>
+          <a:prstGeom prst="rect">
+            <a:avLst/>
+          </a:prstGeom>
+          <a:noFill/>
+          <a:ln>
             <a:solidFill>
               <a:srgbClr val="43729d"/>
             </a:solidFill>
@@ -8721,6 +8377,7 @@
                   <a:srgbClr val="1f4e79"/>
                 </a:solidFill>
                 <a:latin typeface="Calibri"/>
+                <a:ea typeface="DejaVu Sans"/>
               </a:rPr>
               <a:t>Worker Movement Analysis Interface</a:t>
             </a:r>
@@ -8739,7 +8396,7 @@
         <p:spPr>
           <a:xfrm>
             <a:off x="-163080" y="2564640"/>
-            <a:ext cx="2237040" cy="912600"/>
+            <a:ext cx="2236680" cy="912600"/>
           </a:xfrm>
           <a:prstGeom prst="rect">
             <a:avLst/>
@@ -8774,6 +8431,7 @@
                   <a:srgbClr val="1f4e79"/>
                 </a:solidFill>
                 <a:latin typeface="Calibri"/>
+                <a:ea typeface="DejaVu Sans"/>
               </a:rPr>
               <a:t>from</a:t>
             </a:r>
@@ -8783,6 +8441,7 @@
                   <a:srgbClr val="1f4e79"/>
                 </a:solidFill>
                 <a:latin typeface="Calibri"/>
+                <a:ea typeface="DejaVu Sans"/>
               </a:rPr>
               <a:t> Human Posture analysis T4.5</a:t>
             </a:r>
@@ -8801,7 +8460,7 @@
         <p:spPr>
           <a:xfrm>
             <a:off x="233640" y="3909240"/>
-            <a:ext cx="2655360" cy="360"/>
+            <a:ext cx="2655000" cy="360"/>
           </a:xfrm>
           <a:custGeom>
             <a:avLst/>
@@ -8822,9 +8481,7 @@
           <a:noFill/>
           <a:ln w="34925">
             <a:solidFill>
-              <a:srgbClr val="5b9bd5">
-                <a:lumMod val="50000"/>
-              </a:srgbClr>
+              <a:srgbClr val="1f4e79"/>
             </a:solidFill>
             <a:tailEnd len="med" type="triangle" w="med"/>
           </a:ln>
@@ -8851,7 +8508,7 @@
         <p:spPr>
           <a:xfrm>
             <a:off x="-73080" y="3898080"/>
-            <a:ext cx="2032560" cy="851400"/>
+            <a:ext cx="2032200" cy="851400"/>
           </a:xfrm>
           <a:prstGeom prst="rect">
             <a:avLst/>
@@ -8886,6 +8543,7 @@
                   <a:srgbClr val="1f4e79"/>
                 </a:solidFill>
                 <a:latin typeface="Calibri"/>
+                <a:ea typeface="DejaVu Sans"/>
               </a:rPr>
               <a:t>from </a:t>
             </a:r>
@@ -8895,6 +8553,7 @@
                   <a:srgbClr val="1f4e79"/>
                 </a:solidFill>
                 <a:latin typeface="Calibri"/>
+                <a:ea typeface="DejaVu Sans"/>
               </a:rPr>
               <a:t>Neuromorphic Sensing T4.4</a:t>
             </a:r>
@@ -8913,13 +8572,13 @@
         <p:spPr>
           <a:xfrm>
             <a:off x="2879280" y="5239440"/>
-            <a:ext cx="3461400" cy="554400"/>
-          </a:xfrm>
-          <a:prstGeom prst="rect">
-            <a:avLst/>
-          </a:prstGeom>
-          <a:noFill/>
-          <a:ln w="25400">
+            <a:ext cx="3461040" cy="554040"/>
+          </a:xfrm>
+          <a:prstGeom prst="rect">
+            <a:avLst/>
+          </a:prstGeom>
+          <a:noFill/>
+          <a:ln>
             <a:solidFill>
               <a:srgbClr val="43729d"/>
             </a:solidFill>
@@ -8956,6 +8615,7 @@
                   <a:srgbClr val="1f4e79"/>
                 </a:solidFill>
                 <a:latin typeface="Calibri"/>
+                <a:ea typeface="DejaVu Sans"/>
               </a:rPr>
               <a:t>Safety </a:t>
             </a:r>
@@ -8976,6 +8636,7 @@
                   <a:srgbClr val="1f4e79"/>
                 </a:solidFill>
                 <a:latin typeface="Calibri"/>
+                <a:ea typeface="DejaVu Sans"/>
               </a:rPr>
               <a:t>Analysis Interface</a:t>
             </a:r>
@@ -8994,7 +8655,7 @@
         <p:spPr>
           <a:xfrm>
             <a:off x="1352160" y="5519160"/>
-            <a:ext cx="1536480" cy="360"/>
+            <a:ext cx="1536120" cy="360"/>
           </a:xfrm>
           <a:custGeom>
             <a:avLst/>
@@ -9015,9 +8676,7 @@
           <a:noFill/>
           <a:ln w="34925">
             <a:solidFill>
-              <a:srgbClr val="5b9bd5">
-                <a:lumMod val="50000"/>
-              </a:srgbClr>
+              <a:srgbClr val="1f4e79"/>
             </a:solidFill>
             <a:tailEnd len="med" type="triangle" w="med"/>
           </a:ln>
@@ -9044,7 +8703,7 @@
         <p:spPr>
           <a:xfrm>
             <a:off x="92520" y="5110920"/>
-            <a:ext cx="1932840" cy="912600"/>
+            <a:ext cx="1932480" cy="912600"/>
           </a:xfrm>
           <a:prstGeom prst="rect">
             <a:avLst/>
@@ -9079,6 +8738,7 @@
                   <a:srgbClr val="1f4e79"/>
                 </a:solidFill>
                 <a:latin typeface="Calibri"/>
+                <a:ea typeface="DejaVu Sans"/>
               </a:rPr>
               <a:t>from </a:t>
             </a:r>
@@ -9088,6 +8748,7 @@
                   <a:srgbClr val="1f4e79"/>
                 </a:solidFill>
                 <a:latin typeface="Calibri"/>
+                <a:ea typeface="DejaVu Sans"/>
               </a:rPr>
               <a:t>Safety Risks other Objects T4.3</a:t>
             </a:r>
@@ -9106,13 +8767,13 @@
         <p:spPr>
           <a:xfrm>
             <a:off x="6737040" y="1673280"/>
-            <a:ext cx="1439280" cy="2403360"/>
-          </a:xfrm>
-          <a:prstGeom prst="rect">
-            <a:avLst/>
-          </a:prstGeom>
-          <a:noFill/>
-          <a:ln w="25400">
+            <a:ext cx="1438920" cy="2403000"/>
+          </a:xfrm>
+          <a:prstGeom prst="rect">
+            <a:avLst/>
+          </a:prstGeom>
+          <a:noFill/>
+          <a:ln>
             <a:solidFill>
               <a:srgbClr val="43729d"/>
             </a:solidFill>
@@ -9149,6 +8810,7 @@
                   <a:srgbClr val="1f4e79"/>
                 </a:solidFill>
                 <a:latin typeface="Calibri"/>
+                <a:ea typeface="DejaVu Sans"/>
               </a:rPr>
               <a:t>Human Safety and Ergonomics</a:t>
             </a:r>
@@ -9169,6 +8831,7 @@
                   <a:srgbClr val="1f4e79"/>
                 </a:solidFill>
                 <a:latin typeface="Calibri"/>
+                <a:ea typeface="DejaVu Sans"/>
               </a:rPr>
               <a:t>Integrator </a:t>
             </a:r>
@@ -9187,7 +8850,7 @@
         <p:spPr>
           <a:xfrm>
             <a:off x="6056640" y="2887920"/>
-            <a:ext cx="694440" cy="360"/>
+            <a:ext cx="694080" cy="360"/>
           </a:xfrm>
           <a:custGeom>
             <a:avLst/>
@@ -9208,9 +8871,7 @@
           <a:noFill/>
           <a:ln w="34925">
             <a:solidFill>
-              <a:srgbClr val="5b9bd5">
-                <a:lumMod val="50000"/>
-              </a:srgbClr>
+              <a:srgbClr val="1f4e79"/>
             </a:solidFill>
             <a:tailEnd len="med" type="triangle" w="med"/>
           </a:ln>
@@ -9237,7 +8898,7 @@
         <p:spPr>
           <a:xfrm>
             <a:off x="6042240" y="3925800"/>
-            <a:ext cx="694440" cy="360"/>
+            <a:ext cx="694080" cy="360"/>
           </a:xfrm>
           <a:custGeom>
             <a:avLst/>
@@ -9258,9 +8919,7 @@
           <a:noFill/>
           <a:ln w="34925">
             <a:solidFill>
-              <a:srgbClr val="5b9bd5">
-                <a:lumMod val="50000"/>
-              </a:srgbClr>
+              <a:srgbClr val="1f4e79"/>
             </a:solidFill>
             <a:tailEnd len="med" type="triangle" w="med"/>
           </a:ln>
@@ -9287,7 +8946,7 @@
         <p:spPr>
           <a:xfrm>
             <a:off x="8176680" y="2875320"/>
-            <a:ext cx="1150200" cy="3600"/>
+            <a:ext cx="1149840" cy="3240"/>
           </a:xfrm>
           <a:custGeom>
             <a:avLst/>
@@ -9308,9 +8967,7 @@
           <a:noFill/>
           <a:ln w="34925">
             <a:solidFill>
-              <a:srgbClr val="5b9bd5">
-                <a:lumMod val="50000"/>
-              </a:srgbClr>
+              <a:srgbClr val="1f4e79"/>
             </a:solidFill>
             <a:tailEnd len="med" type="triangle" w="med"/>
           </a:ln>
@@ -9337,7 +8994,7 @@
         <p:spPr>
           <a:xfrm>
             <a:off x="8218800" y="2968560"/>
-            <a:ext cx="1053360" cy="1368360"/>
+            <a:ext cx="1053000" cy="1368360"/>
           </a:xfrm>
           <a:prstGeom prst="rect">
             <a:avLst/>
@@ -9370,6 +9027,7 @@
                   <a:srgbClr val="1f4e79"/>
                 </a:solidFill>
                 <a:latin typeface="Calibri"/>
+                <a:ea typeface="DejaVu Sans"/>
               </a:rPr>
               <a:t>Human-based</a:t>
             </a:r>
@@ -9390,6 +9048,7 @@
                   <a:srgbClr val="1f4e79"/>
                 </a:solidFill>
                 <a:latin typeface="Calibri"/>
+                <a:ea typeface="DejaVu Sans"/>
               </a:rPr>
               <a:t>Safety Ergonomics Risk</a:t>
             </a:r>
@@ -9408,7 +9067,7 @@
         <p:spPr>
           <a:xfrm>
             <a:off x="9327240" y="1995840"/>
-            <a:ext cx="1924920" cy="1766160"/>
+            <a:ext cx="1924560" cy="1765800"/>
           </a:xfrm>
           <a:prstGeom prst="ellipse">
             <a:avLst/>
@@ -9455,6 +9114,7 @@
                   <a:srgbClr val="ffffff"/>
                 </a:solidFill>
                 <a:latin typeface="Calibri"/>
+                <a:ea typeface="DejaVu Sans"/>
               </a:rPr>
               <a:t>Safety and Ergonomics Intervention Engine</a:t>
             </a:r>
@@ -9494,8 +9154,8 @@
         </p:nvSpPr>
         <p:spPr>
           <a:xfrm flipV="1">
-            <a:off x="11186280" y="2549160"/>
-            <a:ext cx="1121040" cy="12240"/>
+            <a:off x="11186280" y="2548440"/>
+            <a:ext cx="1120680" cy="11880"/>
           </a:xfrm>
           <a:custGeom>
             <a:avLst/>
@@ -9516,9 +9176,7 @@
           <a:noFill/>
           <a:ln w="34925">
             <a:solidFill>
-              <a:srgbClr val="5b9bd5">
-                <a:lumMod val="50000"/>
-              </a:srgbClr>
+              <a:srgbClr val="1f4e79"/>
             </a:solidFill>
             <a:tailEnd len="med" type="triangle" w="med"/>
           </a:ln>
@@ -9545,7 +9203,7 @@
         <p:spPr>
           <a:xfrm>
             <a:off x="10890000" y="2151000"/>
-            <a:ext cx="1506960" cy="364680"/>
+            <a:ext cx="1506960" cy="364320"/>
           </a:xfrm>
           <a:prstGeom prst="rect">
             <a:avLst/>
@@ -9578,6 +9236,7 @@
                   <a:srgbClr val="1f4e79"/>
                 </a:solidFill>
                 <a:latin typeface="Calibri"/>
+                <a:ea typeface="DejaVu Sans"/>
               </a:rPr>
               <a:t> </a:t>
             </a:r>
@@ -9587,6 +9246,7 @@
                   <a:srgbClr val="1f4e79"/>
                 </a:solidFill>
                 <a:latin typeface="Calibri"/>
+                <a:ea typeface="DejaVu Sans"/>
               </a:rPr>
               <a:t>to</a:t>
             </a:r>
@@ -9596,6 +9256,7 @@
                   <a:srgbClr val="1f4e79"/>
                 </a:solidFill>
                 <a:latin typeface="Calibri"/>
+                <a:ea typeface="DejaVu Sans"/>
               </a:rPr>
               <a:t> LO CEM</a:t>
             </a:r>
@@ -9614,7 +9275,7 @@
         <p:spPr>
           <a:xfrm>
             <a:off x="4008240" y="1677960"/>
-            <a:ext cx="2552400" cy="638280"/>
+            <a:ext cx="2552040" cy="638280"/>
           </a:xfrm>
           <a:prstGeom prst="rect">
             <a:avLst/>
@@ -9647,6 +9308,7 @@
                   <a:srgbClr val="1f4e79"/>
                 </a:solidFill>
                 <a:latin typeface="Calibri"/>
+                <a:ea typeface="DejaVu Sans"/>
               </a:rPr>
               <a:t>Perception - Human</a:t>
             </a:r>
@@ -9665,7 +9327,7 @@
         <p:spPr>
           <a:xfrm>
             <a:off x="3504240" y="4909320"/>
-            <a:ext cx="3033720" cy="638280"/>
+            <a:ext cx="3033360" cy="638280"/>
           </a:xfrm>
           <a:prstGeom prst="rect">
             <a:avLst/>
@@ -9698,6 +9360,7 @@
                   <a:srgbClr val="1f4e79"/>
                 </a:solidFill>
                 <a:latin typeface="Calibri"/>
+                <a:ea typeface="DejaVu Sans"/>
               </a:rPr>
               <a:t>Perception – Other Objects</a:t>
             </a:r>
@@ -9715,8 +9378,8 @@
         </p:nvSpPr>
         <p:spPr>
           <a:xfrm flipV="1">
-            <a:off x="6351120" y="3762720"/>
-            <a:ext cx="3938760" cy="1774080"/>
+            <a:off x="6351120" y="3762000"/>
+            <a:ext cx="3938400" cy="1773720"/>
           </a:xfrm>
           <a:prstGeom prst="bentConnector2">
             <a:avLst/>
@@ -9724,9 +9387,7 @@
           <a:noFill/>
           <a:ln w="38100">
             <a:solidFill>
-              <a:srgbClr val="5b9bd5">
-                <a:lumMod val="50000"/>
-              </a:srgbClr>
+              <a:srgbClr val="1f4e79"/>
             </a:solidFill>
             <a:tailEnd len="med" type="triangle" w="med"/>
           </a:ln>
@@ -9753,7 +9414,7 @@
         <p:spPr>
           <a:xfrm>
             <a:off x="9252000" y="2781000"/>
-            <a:ext cx="188280" cy="188280"/>
+            <a:ext cx="187920" cy="187920"/>
           </a:xfrm>
           <a:prstGeom prst="ellipse">
             <a:avLst/>
@@ -9793,7 +9454,7 @@
         <p:spPr>
           <a:xfrm>
             <a:off x="10182960" y="3660120"/>
-            <a:ext cx="188280" cy="188280"/>
+            <a:ext cx="187920" cy="187920"/>
           </a:xfrm>
           <a:prstGeom prst="ellipse">
             <a:avLst/>
@@ -9833,7 +9494,7 @@
         <p:spPr>
           <a:xfrm>
             <a:off x="9689760" y="3800880"/>
-            <a:ext cx="2552400" cy="637920"/>
+            <a:ext cx="2552040" cy="637560"/>
           </a:xfrm>
           <a:prstGeom prst="rect">
             <a:avLst/>
@@ -9866,6 +9527,7 @@
                   <a:srgbClr val="1f4e79"/>
                 </a:solidFill>
                 <a:latin typeface="Calibri"/>
+                <a:ea typeface="DejaVu Sans"/>
               </a:rPr>
               <a:t>Other Object </a:t>
             </a:r>
@@ -9886,6 +9548,7 @@
                   <a:srgbClr val="1f4e79"/>
                 </a:solidFill>
                 <a:latin typeface="Calibri"/>
+                <a:ea typeface="DejaVu Sans"/>
               </a:rPr>
               <a:t>Estimation</a:t>
             </a:r>
@@ -9906,6 +9569,7 @@
                   <a:srgbClr val="1f4e79"/>
                 </a:solidFill>
                 <a:latin typeface="Calibri"/>
+                <a:ea typeface="DejaVu Sans"/>
               </a:rPr>
               <a:t>Front End</a:t>
             </a:r>
@@ -9923,8 +9587,8 @@
         </p:nvSpPr>
         <p:spPr>
           <a:xfrm rot="16200000">
-            <a:off x="8526600" y="1201680"/>
-            <a:ext cx="1826280" cy="637200"/>
+            <a:off x="8526960" y="1202040"/>
+            <a:ext cx="1825920" cy="637200"/>
           </a:xfrm>
           <a:prstGeom prst="rect">
             <a:avLst/>
@@ -9957,6 +9621,7 @@
                   <a:srgbClr val="1f4e79"/>
                 </a:solidFill>
                 <a:latin typeface="Calibri"/>
+                <a:ea typeface="DejaVu Sans"/>
               </a:rPr>
               <a:t>Human</a:t>
             </a:r>
@@ -9977,6 +9642,7 @@
                   <a:srgbClr val="1f4e79"/>
                 </a:solidFill>
                 <a:latin typeface="Calibri"/>
+                <a:ea typeface="DejaVu Sans"/>
               </a:rPr>
               <a:t> </a:t>
             </a:r>
@@ -9986,6 +9652,7 @@
                   <a:srgbClr val="1f4e79"/>
                 </a:solidFill>
                 <a:latin typeface="Calibri"/>
+                <a:ea typeface="DejaVu Sans"/>
               </a:rPr>
               <a:t>Estimation Front End</a:t>
             </a:r>
@@ -10004,7 +9671,7 @@
         <p:spPr>
           <a:xfrm>
             <a:off x="10433880" y="3119040"/>
-            <a:ext cx="443880" cy="443880"/>
+            <a:ext cx="443520" cy="443520"/>
           </a:xfrm>
           <a:prstGeom prst="donut">
             <a:avLst>
@@ -10044,7 +9711,7 @@
         <p:spPr>
           <a:xfrm>
             <a:off x="10324440" y="3190680"/>
-            <a:ext cx="330480" cy="200520"/>
+            <a:ext cx="330120" cy="200160"/>
           </a:xfrm>
           <a:prstGeom prst="triangle">
             <a:avLst>
@@ -10084,7 +9751,7 @@
         <p:spPr>
           <a:xfrm>
             <a:off x="9639000" y="2881800"/>
-            <a:ext cx="2552400" cy="272880"/>
+            <a:ext cx="2552040" cy="272520"/>
           </a:xfrm>
           <a:prstGeom prst="rect">
             <a:avLst/>
@@ -10117,6 +9784,7 @@
                   <a:srgbClr val="2e75b6"/>
                 </a:solidFill>
                 <a:latin typeface="Calibri"/>
+                <a:ea typeface="DejaVu Sans"/>
               </a:rPr>
               <a:t>dynamic</a:t>
             </a:r>
@@ -10135,7 +9803,7 @@
         <p:spPr>
           <a:xfrm>
             <a:off x="10485000" y="1294560"/>
-            <a:ext cx="1110600" cy="613440"/>
+            <a:ext cx="1110240" cy="613080"/>
           </a:xfrm>
           <a:prstGeom prst="flowChartMagneticDrum">
             <a:avLst/>
@@ -10180,6 +9848,7 @@
                   <a:srgbClr val="ffffff"/>
                 </a:solidFill>
                 <a:latin typeface="Calibri"/>
+                <a:ea typeface="DejaVu Sans"/>
               </a:rPr>
               <a:t>Safety Ergon. requir</a:t>
             </a:r>
@@ -10197,8 +9866,8 @@
         </p:nvSpPr>
         <p:spPr>
           <a:xfrm flipV="1" rot="10800000">
-            <a:off x="10210680" y="1600920"/>
-            <a:ext cx="274320" cy="394200"/>
+            <a:off x="10211040" y="1601280"/>
+            <a:ext cx="273960" cy="393840"/>
           </a:xfrm>
           <a:prstGeom prst="bentConnector2">
             <a:avLst/>
@@ -10206,9 +9875,7 @@
           <a:noFill/>
           <a:ln w="38100">
             <a:solidFill>
-              <a:srgbClr val="5b9bd5">
-                <a:lumMod val="50000"/>
-              </a:srgbClr>
+              <a:srgbClr val="1f4e79"/>
             </a:solidFill>
             <a:tailEnd len="med" type="triangle" w="med"/>
           </a:ln>
@@ -10235,7 +9902,7 @@
         <p:spPr>
           <a:xfrm>
             <a:off x="11032560" y="1031040"/>
-            <a:ext cx="7560" cy="263160"/>
+            <a:ext cx="7200" cy="262800"/>
           </a:xfrm>
           <a:custGeom>
             <a:avLst/>
@@ -10256,9 +9923,7 @@
           <a:noFill/>
           <a:ln w="34925">
             <a:solidFill>
-              <a:srgbClr val="5b9bd5">
-                <a:lumMod val="50000"/>
-              </a:srgbClr>
+              <a:srgbClr val="1f4e79"/>
             </a:solidFill>
             <a:tailEnd len="med" type="triangle" w="med"/>
           </a:ln>
@@ -10285,7 +9950,7 @@
         <p:spPr>
           <a:xfrm>
             <a:off x="10251360" y="678240"/>
-            <a:ext cx="1562040" cy="364680"/>
+            <a:ext cx="1562040" cy="364320"/>
           </a:xfrm>
           <a:prstGeom prst="rect">
             <a:avLst/>
@@ -10318,6 +9983,7 @@
                   <a:srgbClr val="1f4e79"/>
                 </a:solidFill>
                 <a:latin typeface="Calibri"/>
+                <a:ea typeface="DejaVu Sans"/>
               </a:rPr>
               <a:t> </a:t>
             </a:r>
@@ -10327,6 +9993,7 @@
                   <a:srgbClr val="1f4e79"/>
                 </a:solidFill>
                 <a:latin typeface="Calibri"/>
+                <a:ea typeface="DejaVu Sans"/>
               </a:rPr>
               <a:t>WP2, T6.3</a:t>
             </a:r>
@@ -10345,7 +10012,7 @@
         <p:spPr>
           <a:xfrm>
             <a:off x="11119320" y="3332520"/>
-            <a:ext cx="1226160" cy="360"/>
+            <a:ext cx="1225800" cy="360"/>
           </a:xfrm>
           <a:custGeom>
             <a:avLst/>
@@ -10366,9 +10033,7 @@
           <a:noFill/>
           <a:ln w="34925">
             <a:solidFill>
-              <a:srgbClr val="5b9bd5">
-                <a:lumMod val="50000"/>
-              </a:srgbClr>
+              <a:srgbClr val="1f4e79"/>
             </a:solidFill>
             <a:tailEnd len="med" type="triangle" w="med"/>
           </a:ln>
@@ -10395,7 +10060,7 @@
         <p:spPr>
           <a:xfrm>
             <a:off x="10949040" y="2953800"/>
-            <a:ext cx="1452240" cy="364680"/>
+            <a:ext cx="1452240" cy="364320"/>
           </a:xfrm>
           <a:prstGeom prst="rect">
             <a:avLst/>
@@ -10428,6 +10093,7 @@
                   <a:srgbClr val="1f4e79"/>
                 </a:solidFill>
                 <a:latin typeface="Calibri"/>
+                <a:ea typeface="DejaVu Sans"/>
               </a:rPr>
               <a:t> </a:t>
             </a:r>
@@ -10437,6 +10103,7 @@
                   <a:srgbClr val="1f4e79"/>
                 </a:solidFill>
                 <a:latin typeface="Calibri"/>
+                <a:ea typeface="DejaVu Sans"/>
               </a:rPr>
               <a:t>to</a:t>
             </a:r>
@@ -10446,6 +10113,7 @@
                   <a:srgbClr val="1f4e79"/>
                 </a:solidFill>
                 <a:latin typeface="Calibri"/>
+                <a:ea typeface="DejaVu Sans"/>
               </a:rPr>
               <a:t> HI CEM</a:t>
             </a:r>
@@ -10464,7 +10132,7 @@
         <p:spPr>
           <a:xfrm>
             <a:off x="-163080" y="1862640"/>
-            <a:ext cx="2237040" cy="912600"/>
+            <a:ext cx="2236680" cy="912600"/>
           </a:xfrm>
           <a:prstGeom prst="rect">
             <a:avLst/>
@@ -10499,6 +10167,7 @@
                   <a:srgbClr val="1f4e79"/>
                 </a:solidFill>
                 <a:latin typeface="Calibri"/>
+                <a:ea typeface="DejaVu Sans"/>
               </a:rPr>
               <a:t>from</a:t>
             </a:r>
@@ -10508,6 +10177,7 @@
                   <a:srgbClr val="1f4e79"/>
                 </a:solidFill>
                 <a:latin typeface="Calibri"/>
+                <a:ea typeface="DejaVu Sans"/>
               </a:rPr>
               <a:t> Human Posture analysis T6.2</a:t>
             </a:r>
@@ -10526,7 +10196,7 @@
         <p:spPr>
           <a:xfrm>
             <a:off x="-105480" y="3238920"/>
-            <a:ext cx="2032560" cy="851400"/>
+            <a:ext cx="2032200" cy="851400"/>
           </a:xfrm>
           <a:prstGeom prst="rect">
             <a:avLst/>
@@ -10561,6 +10231,7 @@
                   <a:srgbClr val="1f4e79"/>
                 </a:solidFill>
                 <a:latin typeface="Calibri"/>
+                <a:ea typeface="DejaVu Sans"/>
               </a:rPr>
               <a:t>from </a:t>
             </a:r>
@@ -10570,6 +10241,7 @@
                   <a:srgbClr val="1f4e79"/>
                 </a:solidFill>
                 <a:latin typeface="Calibri"/>
+                <a:ea typeface="DejaVu Sans"/>
               </a:rPr>
               <a:t>Neuromorphic Sensing T6.1</a:t>
             </a:r>
@@ -10618,7 +10290,7 @@
         <p:spPr>
           <a:xfrm>
             <a:off x="2659680" y="1673280"/>
-            <a:ext cx="3681000" cy="2712600"/>
+            <a:ext cx="3680640" cy="2712240"/>
           </a:xfrm>
           <a:prstGeom prst="flowChartProcess">
             <a:avLst/>
@@ -10659,7 +10331,7 @@
         <p:spPr>
           <a:xfrm>
             <a:off x="2373480" y="642960"/>
-            <a:ext cx="9318600" cy="5689440"/>
+            <a:ext cx="9318240" cy="5689080"/>
           </a:xfrm>
           <a:prstGeom prst="rect">
             <a:avLst/>
@@ -10695,7 +10367,7 @@
         <p:spPr>
           <a:xfrm>
             <a:off x="2437560" y="470520"/>
-            <a:ext cx="3734640" cy="516960"/>
+            <a:ext cx="3734280" cy="516600"/>
           </a:xfrm>
           <a:prstGeom prst="rect">
             <a:avLst/>
@@ -10730,6 +10402,7 @@
                   <a:srgbClr val="1f4e79"/>
                 </a:solidFill>
                 <a:latin typeface="Calibri"/>
+                <a:ea typeface="DejaVu Sans"/>
               </a:rPr>
               <a:t>SEM_PACKAGE</a:t>
             </a:r>
@@ -10748,7 +10421,7 @@
         <p:spPr>
           <a:xfrm>
             <a:off x="243360" y="2879280"/>
-            <a:ext cx="2655360" cy="360"/>
+            <a:ext cx="2655000" cy="360"/>
           </a:xfrm>
           <a:custGeom>
             <a:avLst/>
@@ -10769,9 +10442,7 @@
           <a:noFill/>
           <a:ln w="34925">
             <a:solidFill>
-              <a:srgbClr val="5b9bd5">
-                <a:lumMod val="50000"/>
-              </a:srgbClr>
+              <a:srgbClr val="1f4e79"/>
             </a:solidFill>
             <a:tailEnd len="med" type="triangle" w="med"/>
           </a:ln>
@@ -10798,13 +10469,13 @@
         <p:spPr>
           <a:xfrm>
             <a:off x="2889000" y="2519280"/>
-            <a:ext cx="3152520" cy="762480"/>
-          </a:xfrm>
-          <a:prstGeom prst="rect">
-            <a:avLst/>
-          </a:prstGeom>
-          <a:noFill/>
-          <a:ln w="25400">
+            <a:ext cx="3152160" cy="762120"/>
+          </a:xfrm>
+          <a:prstGeom prst="rect">
+            <a:avLst/>
+          </a:prstGeom>
+          <a:noFill/>
+          <a:ln>
             <a:solidFill>
               <a:srgbClr val="43729d"/>
             </a:solidFill>
@@ -10841,6 +10512,7 @@
                   <a:srgbClr val="1f4e79"/>
                 </a:solidFill>
                 <a:latin typeface="Calibri"/>
+                <a:ea typeface="DejaVu Sans"/>
               </a:rPr>
               <a:t>Human Postural Analysis</a:t>
             </a:r>
@@ -10861,6 +10533,7 @@
                   <a:srgbClr val="1f4e79"/>
                 </a:solidFill>
                 <a:latin typeface="Calibri"/>
+                <a:ea typeface="DejaVu Sans"/>
               </a:rPr>
               <a:t>Interface</a:t>
             </a:r>
@@ -10879,13 +10552,13 @@
         <p:spPr>
           <a:xfrm>
             <a:off x="2894040" y="3642120"/>
-            <a:ext cx="3147840" cy="567000"/>
-          </a:xfrm>
-          <a:prstGeom prst="rect">
-            <a:avLst/>
-          </a:prstGeom>
-          <a:noFill/>
-          <a:ln w="25400">
+            <a:ext cx="3147480" cy="566640"/>
+          </a:xfrm>
+          <a:prstGeom prst="rect">
+            <a:avLst/>
+          </a:prstGeom>
+          <a:noFill/>
+          <a:ln>
             <a:solidFill>
               <a:srgbClr val="43729d"/>
             </a:solidFill>
@@ -10922,6 +10595,7 @@
                   <a:srgbClr val="1f4e79"/>
                 </a:solidFill>
                 <a:latin typeface="Calibri"/>
+                <a:ea typeface="DejaVu Sans"/>
               </a:rPr>
               <a:t>Worker Movement Analysis Interface</a:t>
             </a:r>
@@ -10940,7 +10614,7 @@
         <p:spPr>
           <a:xfrm>
             <a:off x="-2167920" y="2577240"/>
-            <a:ext cx="2237040" cy="912600"/>
+            <a:ext cx="2236680" cy="912600"/>
           </a:xfrm>
           <a:prstGeom prst="rect">
             <a:avLst/>
@@ -10975,6 +10649,7 @@
                   <a:srgbClr val="1f4e79"/>
                 </a:solidFill>
                 <a:latin typeface="Calibri"/>
+                <a:ea typeface="DejaVu Sans"/>
               </a:rPr>
               <a:t>from</a:t>
             </a:r>
@@ -10984,6 +10659,7 @@
                   <a:srgbClr val="1f4e79"/>
                 </a:solidFill>
                 <a:latin typeface="Calibri"/>
+                <a:ea typeface="DejaVu Sans"/>
               </a:rPr>
               <a:t> Human Posture analysis T4.5</a:t>
             </a:r>
@@ -11002,7 +10678,7 @@
         <p:spPr>
           <a:xfrm>
             <a:off x="233640" y="3909240"/>
-            <a:ext cx="2655360" cy="360"/>
+            <a:ext cx="2655000" cy="360"/>
           </a:xfrm>
           <a:custGeom>
             <a:avLst/>
@@ -11023,9 +10699,7 @@
           <a:noFill/>
           <a:ln w="34925">
             <a:solidFill>
-              <a:srgbClr val="5b9bd5">
-                <a:lumMod val="50000"/>
-              </a:srgbClr>
+              <a:srgbClr val="1f4e79"/>
             </a:solidFill>
             <a:tailEnd len="med" type="triangle" w="med"/>
           </a:ln>
@@ -11052,7 +10726,7 @@
         <p:spPr>
           <a:xfrm>
             <a:off x="-2087640" y="3350520"/>
-            <a:ext cx="2032560" cy="851400"/>
+            <a:ext cx="2032200" cy="851400"/>
           </a:xfrm>
           <a:prstGeom prst="rect">
             <a:avLst/>
@@ -11087,6 +10761,7 @@
                   <a:srgbClr val="1f4e79"/>
                 </a:solidFill>
                 <a:latin typeface="Calibri"/>
+                <a:ea typeface="DejaVu Sans"/>
               </a:rPr>
               <a:t>from </a:t>
             </a:r>
@@ -11096,6 +10771,7 @@
                   <a:srgbClr val="1f4e79"/>
                 </a:solidFill>
                 <a:latin typeface="Calibri"/>
+                <a:ea typeface="DejaVu Sans"/>
               </a:rPr>
               <a:t>Neuromorphic Sensing T4.4</a:t>
             </a:r>
@@ -11114,13 +10790,13 @@
         <p:spPr>
           <a:xfrm>
             <a:off x="2879280" y="5656320"/>
-            <a:ext cx="3461400" cy="554400"/>
-          </a:xfrm>
-          <a:prstGeom prst="rect">
-            <a:avLst/>
-          </a:prstGeom>
-          <a:noFill/>
-          <a:ln w="25400">
+            <a:ext cx="3461040" cy="554040"/>
+          </a:xfrm>
+          <a:prstGeom prst="rect">
+            <a:avLst/>
+          </a:prstGeom>
+          <a:noFill/>
+          <a:ln>
             <a:solidFill>
               <a:srgbClr val="43729d"/>
             </a:solidFill>
@@ -11157,6 +10833,7 @@
                   <a:srgbClr val="1f4e79"/>
                 </a:solidFill>
                 <a:latin typeface="Calibri"/>
+                <a:ea typeface="DejaVu Sans"/>
               </a:rPr>
               <a:t>Safety </a:t>
             </a:r>
@@ -11177,6 +10854,7 @@
                   <a:srgbClr val="1f4e79"/>
                 </a:solidFill>
                 <a:latin typeface="Calibri"/>
+                <a:ea typeface="DejaVu Sans"/>
               </a:rPr>
               <a:t>Analysis Interface</a:t>
             </a:r>
@@ -11195,7 +10873,7 @@
         <p:spPr>
           <a:xfrm flipV="1">
             <a:off x="-70920" y="5932800"/>
-            <a:ext cx="2950200" cy="21240"/>
+            <a:ext cx="2949840" cy="20880"/>
           </a:xfrm>
           <a:custGeom>
             <a:avLst/>
@@ -11216,9 +10894,7 @@
           <a:noFill/>
           <a:ln w="34925">
             <a:solidFill>
-              <a:srgbClr val="5b9bd5">
-                <a:lumMod val="50000"/>
-              </a:srgbClr>
+              <a:srgbClr val="1f4e79"/>
             </a:solidFill>
             <a:tailEnd len="med" type="triangle" w="med"/>
           </a:ln>
@@ -11245,7 +10921,7 @@
         <p:spPr>
           <a:xfrm>
             <a:off x="-2004480" y="5631840"/>
-            <a:ext cx="1932840" cy="912600"/>
+            <a:ext cx="1932480" cy="912600"/>
           </a:xfrm>
           <a:prstGeom prst="rect">
             <a:avLst/>
@@ -11280,6 +10956,7 @@
                   <a:srgbClr val="1f4e79"/>
                 </a:solidFill>
                 <a:latin typeface="Calibri"/>
+                <a:ea typeface="DejaVu Sans"/>
               </a:rPr>
               <a:t>from </a:t>
             </a:r>
@@ -11289,6 +10966,7 @@
                   <a:srgbClr val="1f4e79"/>
                 </a:solidFill>
                 <a:latin typeface="Calibri"/>
+                <a:ea typeface="DejaVu Sans"/>
               </a:rPr>
               <a:t>Safety Risks other Objects T4.3</a:t>
             </a:r>
@@ -11307,13 +10985,13 @@
         <p:spPr>
           <a:xfrm>
             <a:off x="6737040" y="1673280"/>
-            <a:ext cx="1439280" cy="2403360"/>
-          </a:xfrm>
-          <a:prstGeom prst="rect">
-            <a:avLst/>
-          </a:prstGeom>
-          <a:noFill/>
-          <a:ln w="25400">
+            <a:ext cx="1721160" cy="2403000"/>
+          </a:xfrm>
+          <a:prstGeom prst="rect">
+            <a:avLst/>
+          </a:prstGeom>
+          <a:noFill/>
+          <a:ln>
             <a:solidFill>
               <a:srgbClr val="43729d"/>
             </a:solidFill>
@@ -11350,6 +11028,7 @@
                   <a:srgbClr val="1f4e79"/>
                 </a:solidFill>
                 <a:latin typeface="Calibri"/>
+                <a:ea typeface="DejaVu Sans"/>
               </a:rPr>
               <a:t>Human Safety and Ergonomics</a:t>
             </a:r>
@@ -11370,6 +11049,7 @@
                   <a:srgbClr val="1f4e79"/>
                 </a:solidFill>
                 <a:latin typeface="Calibri"/>
+                <a:ea typeface="DejaVu Sans"/>
               </a:rPr>
               <a:t>Integrator </a:t>
             </a:r>
@@ -11388,7 +11068,7 @@
         <p:spPr>
           <a:xfrm>
             <a:off x="6056640" y="2887920"/>
-            <a:ext cx="694440" cy="360"/>
+            <a:ext cx="694080" cy="360"/>
           </a:xfrm>
           <a:custGeom>
             <a:avLst/>
@@ -11409,9 +11089,7 @@
           <a:noFill/>
           <a:ln w="34925">
             <a:solidFill>
-              <a:srgbClr val="5b9bd5">
-                <a:lumMod val="50000"/>
-              </a:srgbClr>
+              <a:srgbClr val="1f4e79"/>
             </a:solidFill>
             <a:tailEnd len="med" type="triangle" w="med"/>
           </a:ln>
@@ -11438,7 +11116,7 @@
         <p:spPr>
           <a:xfrm>
             <a:off x="6042240" y="3925800"/>
-            <a:ext cx="694440" cy="360"/>
+            <a:ext cx="694080" cy="360"/>
           </a:xfrm>
           <a:custGeom>
             <a:avLst/>
@@ -11459,9 +11137,7 @@
           <a:noFill/>
           <a:ln w="34925">
             <a:solidFill>
-              <a:srgbClr val="5b9bd5">
-                <a:lumMod val="50000"/>
-              </a:srgbClr>
+              <a:srgbClr val="1f4e79"/>
             </a:solidFill>
             <a:tailEnd len="med" type="triangle" w="med"/>
           </a:ln>
@@ -11488,7 +11164,7 @@
         <p:spPr>
           <a:xfrm>
             <a:off x="8176680" y="2875320"/>
-            <a:ext cx="1150200" cy="3600"/>
+            <a:ext cx="1149840" cy="3240"/>
           </a:xfrm>
           <a:custGeom>
             <a:avLst/>
@@ -11509,9 +11185,7 @@
           <a:noFill/>
           <a:ln w="34925">
             <a:solidFill>
-              <a:srgbClr val="5b9bd5">
-                <a:lumMod val="50000"/>
-              </a:srgbClr>
+              <a:srgbClr val="1f4e79"/>
             </a:solidFill>
             <a:tailEnd len="med" type="triangle" w="med"/>
           </a:ln>
@@ -11537,8 +11211,8 @@
         </p:nvSpPr>
         <p:spPr>
           <a:xfrm>
-            <a:off x="8218800" y="2968560"/>
-            <a:ext cx="1053360" cy="1368360"/>
+            <a:off x="8458200" y="3200400"/>
+            <a:ext cx="1053000" cy="1368360"/>
           </a:xfrm>
           <a:prstGeom prst="rect">
             <a:avLst/>
@@ -11571,6 +11245,7 @@
                   <a:srgbClr val="1f4e79"/>
                 </a:solidFill>
                 <a:latin typeface="Calibri"/>
+                <a:ea typeface="DejaVu Sans"/>
               </a:rPr>
               <a:t>Human-based</a:t>
             </a:r>
@@ -11591,6 +11266,7 @@
                   <a:srgbClr val="1f4e79"/>
                 </a:solidFill>
                 <a:latin typeface="Calibri"/>
+                <a:ea typeface="DejaVu Sans"/>
               </a:rPr>
               <a:t>Safety Ergonomics Risk</a:t>
             </a:r>
@@ -11608,8 +11284,8 @@
         </p:nvSpPr>
         <p:spPr>
           <a:xfrm>
-            <a:off x="9327240" y="1995840"/>
-            <a:ext cx="1924920" cy="1766160"/>
+            <a:off x="8915400" y="1995840"/>
+            <a:ext cx="2336400" cy="1765800"/>
           </a:xfrm>
           <a:prstGeom prst="ellipse">
             <a:avLst/>
@@ -11656,6 +11332,7 @@
                   <a:srgbClr val="ffffff"/>
                 </a:solidFill>
                 <a:latin typeface="Calibri"/>
+                <a:ea typeface="DejaVu Sans"/>
               </a:rPr>
               <a:t>Safety and Ergonomics Intervention Engine</a:t>
             </a:r>
@@ -11695,8 +11372,8 @@
         </p:nvSpPr>
         <p:spPr>
           <a:xfrm flipV="1">
-            <a:off x="11186280" y="2549160"/>
-            <a:ext cx="1121040" cy="12240"/>
+            <a:off x="11186280" y="2548440"/>
+            <a:ext cx="1120680" cy="11880"/>
           </a:xfrm>
           <a:custGeom>
             <a:avLst/>
@@ -11717,9 +11394,7 @@
           <a:noFill/>
           <a:ln w="34925">
             <a:solidFill>
-              <a:srgbClr val="5b9bd5">
-                <a:lumMod val="50000"/>
-              </a:srgbClr>
+              <a:srgbClr val="1f4e79"/>
             </a:solidFill>
             <a:tailEnd len="med" type="triangle" w="med"/>
           </a:ln>
@@ -11746,7 +11421,7 @@
         <p:spPr>
           <a:xfrm>
             <a:off x="10890000" y="2151000"/>
-            <a:ext cx="1506960" cy="364680"/>
+            <a:ext cx="1506960" cy="364320"/>
           </a:xfrm>
           <a:prstGeom prst="rect">
             <a:avLst/>
@@ -11779,6 +11454,7 @@
                   <a:srgbClr val="1f4e79"/>
                 </a:solidFill>
                 <a:latin typeface="Calibri"/>
+                <a:ea typeface="DejaVu Sans"/>
               </a:rPr>
               <a:t> </a:t>
             </a:r>
@@ -11788,6 +11464,7 @@
                   <a:srgbClr val="1f4e79"/>
                 </a:solidFill>
                 <a:latin typeface="Calibri"/>
+                <a:ea typeface="DejaVu Sans"/>
               </a:rPr>
               <a:t>to</a:t>
             </a:r>
@@ -11797,6 +11474,7 @@
                   <a:srgbClr val="1f4e79"/>
                 </a:solidFill>
                 <a:latin typeface="Calibri"/>
+                <a:ea typeface="DejaVu Sans"/>
               </a:rPr>
               <a:t> LO CEM</a:t>
             </a:r>
@@ -11815,7 +11493,7 @@
         <p:spPr>
           <a:xfrm>
             <a:off x="4008240" y="1677960"/>
-            <a:ext cx="2552400" cy="638280"/>
+            <a:ext cx="2552040" cy="638280"/>
           </a:xfrm>
           <a:prstGeom prst="rect">
             <a:avLst/>
@@ -11848,6 +11526,7 @@
                   <a:srgbClr val="1f4e79"/>
                 </a:solidFill>
                 <a:latin typeface="Calibri"/>
+                <a:ea typeface="DejaVu Sans"/>
               </a:rPr>
               <a:t>Perception - Human</a:t>
             </a:r>
@@ -11865,8 +11544,8 @@
         </p:nvSpPr>
         <p:spPr>
           <a:xfrm>
-            <a:off x="3081600" y="5239440"/>
-            <a:ext cx="3033720" cy="638280"/>
+            <a:off x="3081600" y="5076720"/>
+            <a:ext cx="3776400" cy="364680"/>
           </a:xfrm>
           <a:prstGeom prst="rect">
             <a:avLst/>
@@ -11899,6 +11578,7 @@
                   <a:srgbClr val="1f4e79"/>
                 </a:solidFill>
                 <a:latin typeface="Calibri"/>
+                <a:ea typeface="DejaVu Sans"/>
               </a:rPr>
               <a:t>Perception – Other Objects</a:t>
             </a:r>
@@ -11916,8 +11596,8 @@
         </p:nvSpPr>
         <p:spPr>
           <a:xfrm flipV="1">
-            <a:off x="6341040" y="3762720"/>
-            <a:ext cx="3948480" cy="2170800"/>
+            <a:off x="6341040" y="3762000"/>
+            <a:ext cx="3948120" cy="2170440"/>
           </a:xfrm>
           <a:prstGeom prst="bentConnector2">
             <a:avLst/>
@@ -11925,9 +11605,7 @@
           <a:noFill/>
           <a:ln w="38100">
             <a:solidFill>
-              <a:srgbClr val="5b9bd5">
-                <a:lumMod val="50000"/>
-              </a:srgbClr>
+              <a:srgbClr val="1f4e79"/>
             </a:solidFill>
             <a:tailEnd len="med" type="triangle" w="med"/>
           </a:ln>
@@ -11954,7 +11632,7 @@
         <p:spPr>
           <a:xfrm>
             <a:off x="9252000" y="2781000"/>
-            <a:ext cx="188280" cy="188280"/>
+            <a:ext cx="187920" cy="187920"/>
           </a:xfrm>
           <a:prstGeom prst="ellipse">
             <a:avLst/>
@@ -11994,7 +11672,7 @@
         <p:spPr>
           <a:xfrm>
             <a:off x="10182960" y="3660120"/>
-            <a:ext cx="188280" cy="188280"/>
+            <a:ext cx="187920" cy="187920"/>
           </a:xfrm>
           <a:prstGeom prst="ellipse">
             <a:avLst/>
@@ -12034,7 +11712,7 @@
         <p:spPr>
           <a:xfrm>
             <a:off x="9689760" y="3800880"/>
-            <a:ext cx="2552400" cy="637920"/>
+            <a:ext cx="2552040" cy="637560"/>
           </a:xfrm>
           <a:prstGeom prst="rect">
             <a:avLst/>
@@ -12067,6 +11745,7 @@
                   <a:srgbClr val="1f4e79"/>
                 </a:solidFill>
                 <a:latin typeface="Calibri"/>
+                <a:ea typeface="DejaVu Sans"/>
               </a:rPr>
               <a:t>Other Object </a:t>
             </a:r>
@@ -12087,6 +11766,7 @@
                   <a:srgbClr val="1f4e79"/>
                 </a:solidFill>
                 <a:latin typeface="Calibri"/>
+                <a:ea typeface="DejaVu Sans"/>
               </a:rPr>
               <a:t>Estimation</a:t>
             </a:r>
@@ -12107,6 +11787,7 @@
                   <a:srgbClr val="1f4e79"/>
                 </a:solidFill>
                 <a:latin typeface="Calibri"/>
+                <a:ea typeface="DejaVu Sans"/>
               </a:rPr>
               <a:t>Front End</a:t>
             </a:r>
@@ -12124,8 +11805,8 @@
         </p:nvSpPr>
         <p:spPr>
           <a:xfrm rot="16200000">
-            <a:off x="8526600" y="1201680"/>
-            <a:ext cx="1826280" cy="637200"/>
+            <a:off x="7863840" y="1280160"/>
+            <a:ext cx="1825920" cy="637200"/>
           </a:xfrm>
           <a:prstGeom prst="rect">
             <a:avLst/>
@@ -12158,6 +11839,7 @@
                   <a:srgbClr val="1f4e79"/>
                 </a:solidFill>
                 <a:latin typeface="Calibri"/>
+                <a:ea typeface="DejaVu Sans"/>
               </a:rPr>
               <a:t>Human</a:t>
             </a:r>
@@ -12178,6 +11860,7 @@
                   <a:srgbClr val="1f4e79"/>
                 </a:solidFill>
                 <a:latin typeface="Calibri"/>
+                <a:ea typeface="DejaVu Sans"/>
               </a:rPr>
               <a:t> </a:t>
             </a:r>
@@ -12187,6 +11870,7 @@
                   <a:srgbClr val="1f4e79"/>
                 </a:solidFill>
                 <a:latin typeface="Calibri"/>
+                <a:ea typeface="DejaVu Sans"/>
               </a:rPr>
               <a:t>Estimation Front End</a:t>
             </a:r>
@@ -12205,7 +11889,7 @@
         <p:spPr>
           <a:xfrm>
             <a:off x="10433880" y="3119040"/>
-            <a:ext cx="443880" cy="443880"/>
+            <a:ext cx="443520" cy="443520"/>
           </a:xfrm>
           <a:prstGeom prst="donut">
             <a:avLst>
@@ -12245,7 +11929,7 @@
         <p:spPr>
           <a:xfrm>
             <a:off x="10324440" y="3190680"/>
-            <a:ext cx="330480" cy="200520"/>
+            <a:ext cx="330120" cy="200160"/>
           </a:xfrm>
           <a:prstGeom prst="triangle">
             <a:avLst>
@@ -12285,7 +11969,7 @@
         <p:spPr>
           <a:xfrm>
             <a:off x="9639000" y="2881800"/>
-            <a:ext cx="2552400" cy="272880"/>
+            <a:ext cx="2552040" cy="272520"/>
           </a:xfrm>
           <a:prstGeom prst="rect">
             <a:avLst/>
@@ -12318,6 +12002,7 @@
                   <a:srgbClr val="2e75b6"/>
                 </a:solidFill>
                 <a:latin typeface="Calibri"/>
+                <a:ea typeface="DejaVu Sans"/>
               </a:rPr>
               <a:t>dynamic</a:t>
             </a:r>
@@ -12336,7 +12021,7 @@
         <p:spPr>
           <a:xfrm>
             <a:off x="10485000" y="1294560"/>
-            <a:ext cx="1110600" cy="613440"/>
+            <a:ext cx="1110240" cy="613080"/>
           </a:xfrm>
           <a:prstGeom prst="flowChartMagneticDrum">
             <a:avLst/>
@@ -12381,6 +12066,7 @@
                   <a:srgbClr val="ffffff"/>
                 </a:solidFill>
                 <a:latin typeface="Calibri"/>
+                <a:ea typeface="DejaVu Sans"/>
               </a:rPr>
               <a:t>Safety Ergon. requir</a:t>
             </a:r>
@@ -12398,8 +12084,8 @@
         </p:nvSpPr>
         <p:spPr>
           <a:xfrm flipV="1" rot="10800000">
-            <a:off x="10210680" y="1600920"/>
-            <a:ext cx="274320" cy="394200"/>
+            <a:off x="10211040" y="1601280"/>
+            <a:ext cx="273960" cy="393840"/>
           </a:xfrm>
           <a:prstGeom prst="bentConnector2">
             <a:avLst/>
@@ -12407,9 +12093,7 @@
           <a:noFill/>
           <a:ln w="38100">
             <a:solidFill>
-              <a:srgbClr val="5b9bd5">
-                <a:lumMod val="50000"/>
-              </a:srgbClr>
+              <a:srgbClr val="1f4e79"/>
             </a:solidFill>
             <a:tailEnd len="med" type="triangle" w="med"/>
           </a:ln>
@@ -12436,7 +12120,7 @@
         <p:spPr>
           <a:xfrm>
             <a:off x="11032560" y="1031040"/>
-            <a:ext cx="7560" cy="263160"/>
+            <a:ext cx="7200" cy="262800"/>
           </a:xfrm>
           <a:custGeom>
             <a:avLst/>
@@ -12457,9 +12141,7 @@
           <a:noFill/>
           <a:ln w="34925">
             <a:solidFill>
-              <a:srgbClr val="5b9bd5">
-                <a:lumMod val="50000"/>
-              </a:srgbClr>
+              <a:srgbClr val="1f4e79"/>
             </a:solidFill>
             <a:tailEnd len="med" type="triangle" w="med"/>
           </a:ln>
@@ -12486,7 +12168,7 @@
         <p:spPr>
           <a:xfrm>
             <a:off x="10251360" y="678240"/>
-            <a:ext cx="1562040" cy="364680"/>
+            <a:ext cx="1562040" cy="364320"/>
           </a:xfrm>
           <a:prstGeom prst="rect">
             <a:avLst/>
@@ -12519,6 +12201,7 @@
                   <a:srgbClr val="1f4e79"/>
                 </a:solidFill>
                 <a:latin typeface="Calibri"/>
+                <a:ea typeface="DejaVu Sans"/>
               </a:rPr>
               <a:t> </a:t>
             </a:r>
@@ -12528,6 +12211,7 @@
                   <a:srgbClr val="1f4e79"/>
                 </a:solidFill>
                 <a:latin typeface="Calibri"/>
+                <a:ea typeface="DejaVu Sans"/>
               </a:rPr>
               <a:t>WP2, T6.3</a:t>
             </a:r>
@@ -12546,7 +12230,7 @@
         <p:spPr>
           <a:xfrm>
             <a:off x="11119320" y="3332520"/>
-            <a:ext cx="1226160" cy="360"/>
+            <a:ext cx="1225800" cy="360"/>
           </a:xfrm>
           <a:custGeom>
             <a:avLst/>
@@ -12567,9 +12251,7 @@
           <a:noFill/>
           <a:ln w="34925">
             <a:solidFill>
-              <a:srgbClr val="5b9bd5">
-                <a:lumMod val="50000"/>
-              </a:srgbClr>
+              <a:srgbClr val="1f4e79"/>
             </a:solidFill>
             <a:tailEnd len="med" type="triangle" w="med"/>
           </a:ln>
@@ -12596,7 +12278,7 @@
         <p:spPr>
           <a:xfrm>
             <a:off x="10949040" y="2953800"/>
-            <a:ext cx="1452240" cy="364680"/>
+            <a:ext cx="1452240" cy="364320"/>
           </a:xfrm>
           <a:prstGeom prst="rect">
             <a:avLst/>
@@ -12629,6 +12311,7 @@
                   <a:srgbClr val="1f4e79"/>
                 </a:solidFill>
                 <a:latin typeface="Calibri"/>
+                <a:ea typeface="DejaVu Sans"/>
               </a:rPr>
               <a:t> </a:t>
             </a:r>
@@ -12638,6 +12321,7 @@
                   <a:srgbClr val="1f4e79"/>
                 </a:solidFill>
                 <a:latin typeface="Calibri"/>
+                <a:ea typeface="DejaVu Sans"/>
               </a:rPr>
               <a:t>to</a:t>
             </a:r>
@@ -12647,6 +12331,7 @@
                   <a:srgbClr val="1f4e79"/>
                 </a:solidFill>
                 <a:latin typeface="Calibri"/>
+                <a:ea typeface="DejaVu Sans"/>
               </a:rPr>
               <a:t> HI CEM</a:t>
             </a:r>
@@ -12665,7 +12350,7 @@
         <p:spPr>
           <a:xfrm>
             <a:off x="214560" y="642960"/>
-            <a:ext cx="2028600" cy="1948680"/>
+            <a:ext cx="2028240" cy="1948680"/>
           </a:xfrm>
           <a:prstGeom prst="rect">
             <a:avLst/>
@@ -12675,9 +12360,7 @@
           </a:solidFill>
           <a:ln w="38100">
             <a:solidFill>
-              <a:srgbClr val="5b9bd5">
-                <a:shade val="50000"/>
-              </a:srgbClr>
+              <a:srgbClr val="43729d"/>
             </a:solidFill>
             <a:round/>
           </a:ln>
@@ -12716,6 +12399,7 @@
                   <a:srgbClr val="1f4e79"/>
                 </a:solidFill>
                 <a:latin typeface="Calibri"/>
+                <a:ea typeface="DejaVu Sans"/>
               </a:rPr>
               <a:t>Human Posture analysis T6.2</a:t>
             </a:r>
@@ -12767,7 +12451,7 @@
         <p:spPr>
           <a:xfrm>
             <a:off x="252720" y="4077000"/>
-            <a:ext cx="2032560" cy="1400760"/>
+            <a:ext cx="2032200" cy="1400400"/>
           </a:xfrm>
           <a:prstGeom prst="rect">
             <a:avLst/>
@@ -12777,9 +12461,7 @@
           </a:solidFill>
           <a:ln w="38100">
             <a:solidFill>
-              <a:srgbClr val="5b9bd5">
-                <a:shade val="50000"/>
-              </a:srgbClr>
+              <a:srgbClr val="43729d"/>
             </a:solidFill>
             <a:round/>
           </a:ln>
@@ -12818,6 +12500,7 @@
                   <a:srgbClr val="1f4e79"/>
                 </a:solidFill>
                 <a:latin typeface="Calibri"/>
+                <a:ea typeface="DejaVu Sans"/>
               </a:rPr>
               <a:t>Neuromorphic Sensing T6.1</a:t>
             </a:r>
@@ -12858,7 +12541,7 @@
         <p:spPr>
           <a:xfrm>
             <a:off x="88560" y="164520"/>
-            <a:ext cx="11859840" cy="6528600"/>
+            <a:ext cx="11859480" cy="6528240"/>
           </a:xfrm>
           <a:prstGeom prst="rect">
             <a:avLst/>
@@ -12895,7 +12578,7 @@
         <p:spPr>
           <a:xfrm>
             <a:off x="318600" y="-109080"/>
-            <a:ext cx="6082200" cy="516960"/>
+            <a:ext cx="6081840" cy="516600"/>
           </a:xfrm>
           <a:prstGeom prst="rect">
             <a:avLst/>
@@ -12930,6 +12613,7 @@
                   <a:srgbClr val="1f4e79"/>
                 </a:solidFill>
                 <a:latin typeface="Calibri"/>
+                <a:ea typeface="DejaVu Sans"/>
               </a:rPr>
               <a:t>SEM_DOCKER / WORKSPACE</a:t>
             </a:r>
@@ -12948,7 +12632,7 @@
         <p:spPr>
           <a:xfrm>
             <a:off x="228600" y="465120"/>
-            <a:ext cx="2286000" cy="333720"/>
+            <a:ext cx="2285640" cy="333360"/>
           </a:xfrm>
           <a:prstGeom prst="rect">
             <a:avLst/>
@@ -12983,6 +12667,7 @@
                   <a:srgbClr val="1f4e79"/>
                 </a:solidFill>
                 <a:latin typeface="Calibri"/>
+                <a:ea typeface="DejaVu Sans"/>
               </a:rPr>
               <a:t>POSTURE_PCKG</a:t>
             </a:r>
@@ -13001,7 +12686,7 @@
         <p:spPr>
           <a:xfrm>
             <a:off x="254880" y="3925800"/>
-            <a:ext cx="2030760" cy="333720"/>
+            <a:ext cx="2030400" cy="333360"/>
           </a:xfrm>
           <a:prstGeom prst="rect">
             <a:avLst/>
@@ -13046,6 +12731,7 @@
                   <a:srgbClr val="1f4e79"/>
                 </a:solidFill>
                 <a:latin typeface="Calibri"/>
+                <a:ea typeface="DejaVu Sans"/>
               </a:rPr>
               <a:t>PCKG</a:t>
             </a:r>
@@ -13064,7 +12750,7 @@
         <p:spPr>
           <a:xfrm flipV="1">
             <a:off x="2285640" y="3925080"/>
-            <a:ext cx="608040" cy="858600"/>
+            <a:ext cx="607680" cy="858240"/>
           </a:xfrm>
           <a:prstGeom prst="bentConnector3">
             <a:avLst>
@@ -13074,9 +12760,7 @@
           <a:noFill/>
           <a:ln w="38100">
             <a:solidFill>
-              <a:srgbClr val="5b9bd5">
-                <a:lumMod val="50000"/>
-              </a:srgbClr>
+              <a:srgbClr val="1f4e79"/>
             </a:solidFill>
             <a:tailEnd len="med" type="triangle" w="med"/>
           </a:ln>
@@ -13103,7 +12787,7 @@
         <p:spPr>
           <a:xfrm>
             <a:off x="2243520" y="1489320"/>
-            <a:ext cx="645120" cy="1410840"/>
+            <a:ext cx="644760" cy="1410480"/>
           </a:xfrm>
           <a:prstGeom prst="bentConnector3">
             <a:avLst>
@@ -13113,9 +12797,7 @@
           <a:noFill/>
           <a:ln w="38100">
             <a:solidFill>
-              <a:srgbClr val="5b9bd5">
-                <a:lumMod val="50000"/>
-              </a:srgbClr>
+              <a:srgbClr val="1f4e79"/>
             </a:solidFill>
             <a:tailEnd len="med" type="triangle" w="med"/>
           </a:ln>
